--- a/spring11/slides11/slides4m.pptx
+++ b/spring11/slides11/slides4m.pptx
@@ -5,10 +5,10 @@
     <p:sldMasterId id="2147483648" r:id="rId1"/>
   </p:sldMasterIdLst>
   <p:notesMasterIdLst>
-    <p:notesMasterId r:id="rId63"/>
+    <p:notesMasterId r:id="rId64"/>
   </p:notesMasterIdLst>
   <p:handoutMasterIdLst>
-    <p:handoutMasterId r:id="rId64"/>
+    <p:handoutMasterId r:id="rId65"/>
   </p:handoutMasterIdLst>
   <p:sldIdLst>
     <p:sldId id="311" r:id="rId2"/>
@@ -54,63 +54,64 @@
     <p:sldId id="345" r:id="rId42"/>
     <p:sldId id="346" r:id="rId43"/>
     <p:sldId id="347" r:id="rId44"/>
-    <p:sldId id="348" r:id="rId45"/>
-    <p:sldId id="374" r:id="rId46"/>
-    <p:sldId id="365" r:id="rId47"/>
-    <p:sldId id="406" r:id="rId48"/>
-    <p:sldId id="411" r:id="rId49"/>
-    <p:sldId id="408" r:id="rId50"/>
-    <p:sldId id="409" r:id="rId51"/>
-    <p:sldId id="410" r:id="rId52"/>
-    <p:sldId id="425" r:id="rId53"/>
-    <p:sldId id="426" r:id="rId54"/>
-    <p:sldId id="427" r:id="rId55"/>
-    <p:sldId id="428" r:id="rId56"/>
-    <p:sldId id="429" r:id="rId57"/>
-    <p:sldId id="430" r:id="rId58"/>
-    <p:sldId id="431" r:id="rId59"/>
-    <p:sldId id="432" r:id="rId60"/>
-    <p:sldId id="433" r:id="rId61"/>
-    <p:sldId id="373" r:id="rId62"/>
+    <p:sldId id="434" r:id="rId45"/>
+    <p:sldId id="348" r:id="rId46"/>
+    <p:sldId id="374" r:id="rId47"/>
+    <p:sldId id="365" r:id="rId48"/>
+    <p:sldId id="406" r:id="rId49"/>
+    <p:sldId id="411" r:id="rId50"/>
+    <p:sldId id="408" r:id="rId51"/>
+    <p:sldId id="409" r:id="rId52"/>
+    <p:sldId id="410" r:id="rId53"/>
+    <p:sldId id="425" r:id="rId54"/>
+    <p:sldId id="426" r:id="rId55"/>
+    <p:sldId id="427" r:id="rId56"/>
+    <p:sldId id="428" r:id="rId57"/>
+    <p:sldId id="429" r:id="rId58"/>
+    <p:sldId id="430" r:id="rId59"/>
+    <p:sldId id="431" r:id="rId60"/>
+    <p:sldId id="432" r:id="rId61"/>
+    <p:sldId id="433" r:id="rId62"/>
+    <p:sldId id="373" r:id="rId63"/>
   </p:sldIdLst>
   <p:sldSz cx="9144000" cy="6858000" type="screen4x3"/>
   <p:notesSz cx="7315200" cy="9601200"/>
   <p:embeddedFontLst>
     <p:embeddedFont>
       <p:font typeface="Comic Sans MS"/>
-      <p:regular r:id="rId65"/>
-      <p:bold r:id="rId66"/>
+      <p:regular r:id="rId66"/>
+      <p:bold r:id="rId67"/>
     </p:embeddedFont>
     <p:embeddedFont>
       <p:font typeface="Euclid Symbol" charset="2"/>
-      <p:regular r:id="rId67"/>
-      <p:bold r:id="rId68"/>
-      <p:italic r:id="rId69"/>
-      <p:boldItalic r:id="rId70"/>
+      <p:regular r:id="rId68"/>
+      <p:bold r:id="rId69"/>
+      <p:italic r:id="rId70"/>
+      <p:boldItalic r:id="rId71"/>
     </p:embeddedFont>
     <p:embeddedFont>
       <p:font typeface="Calibri"/>
-      <p:regular r:id="rId71"/>
-      <p:bold r:id="rId72"/>
-      <p:italic r:id="rId73"/>
-      <p:boldItalic r:id="rId74"/>
+      <p:regular r:id="rId72"/>
+      <p:bold r:id="rId73"/>
+      <p:italic r:id="rId74"/>
+      <p:boldItalic r:id="rId75"/>
     </p:embeddedFont>
     <p:embeddedFont>
       <p:font typeface="Euclid Extra" charset="2"/>
-      <p:regular r:id="rId75"/>
-      <p:bold r:id="rId76"/>
+      <p:regular r:id="rId76"/>
+      <p:bold r:id="rId77"/>
     </p:embeddedFont>
     <p:embeddedFont>
       <p:font typeface="Arial Unicode MS"/>
-      <p:regular r:id="rId77"/>
+      <p:regular r:id="rId78"/>
     </p:embeddedFont>
     <p:embeddedFont>
       <p:font typeface="cmsy10"/>
-      <p:regular r:id="rId78"/>
+      <p:regular r:id="rId79"/>
     </p:embeddedFont>
   </p:embeddedFontLst>
   <p:custDataLst>
-    <p:tags r:id="rId80"/>
+    <p:tags r:id="rId81"/>
   </p:custDataLst>
   <p:defaultTextStyle>
     <a:defPPr>
@@ -293,7 +294,7 @@
             <a:fld id="{D875CB5D-1501-4E8C-8449-8F562B53033D}" type="datetimeFigureOut">
               <a:rPr lang="en-US" smtClean="0"/>
               <a:pPr/>
-              <a:t>2/21/11</a:t>
+              <a:t>2/22/11</a:t>
             </a:fld>
             <a:endParaRPr lang="en-US"/>
           </a:p>
@@ -455,7 +456,7 @@
             <a:fld id="{2E64E5CB-D4EF-403A-9BB6-139C52688DF7}" type="datetimeFigureOut">
               <a:rPr lang="en-US" smtClean="0"/>
               <a:pPr/>
-              <a:t>2/21/11</a:t>
+              <a:t>2/22/11</a:t>
             </a:fld>
             <a:endParaRPr lang="en-US"/>
           </a:p>
@@ -4084,7 +4085,7 @@
       </p:grpSpPr>
       <p:sp>
         <p:nvSpPr>
-          <p:cNvPr id="81922" name="Rectangle 7"/>
+          <p:cNvPr id="80898" name="Rectangle 7"/>
           <p:cNvSpPr>
             <a:spLocks noGrp="1" noChangeArrowheads="1"/>
           </p:cNvSpPr>
@@ -4099,7 +4100,7 @@
           <a:bodyPr/>
           <a:lstStyle/>
           <a:p>
-            <a:fld id="{3E34B2BB-D99F-43B8-B4D6-3941E275349C}" type="slidenum">
+            <a:fld id="{C8B3E3F6-D602-4501-B70E-4B505166BE19}" type="slidenum">
               <a:rPr lang="en-US"/>
               <a:pPr/>
               <a:t>44</a:t>
@@ -4110,7 +4111,7 @@
       </p:sp>
       <p:sp>
         <p:nvSpPr>
-          <p:cNvPr id="81923" name="Rectangle 2"/>
+          <p:cNvPr id="80899" name="Rectangle 2"/>
           <p:cNvSpPr>
             <a:spLocks noGrp="1" noRot="1" noChangeAspect="1" noChangeArrowheads="1" noTextEdit="1"/>
           </p:cNvSpPr>
@@ -4124,7 +4125,7 @@
       </p:sp>
       <p:sp>
         <p:nvSpPr>
-          <p:cNvPr id="81924" name="Rectangle 3"/>
+          <p:cNvPr id="80900" name="Rectangle 3"/>
           <p:cNvSpPr>
             <a:spLocks noGrp="1" noChangeArrowheads="1"/>
           </p:cNvSpPr>
@@ -4260,7 +4261,7 @@
       </p:grpSpPr>
       <p:sp>
         <p:nvSpPr>
-          <p:cNvPr id="51202" name="Rectangle 7"/>
+          <p:cNvPr id="81922" name="Rectangle 7"/>
           <p:cNvSpPr>
             <a:spLocks noGrp="1" noChangeArrowheads="1"/>
           </p:cNvSpPr>
@@ -4275,22 +4276,18 @@
           <a:bodyPr/>
           <a:lstStyle/>
           <a:p>
-            <a:fld id="{35C0B081-214F-471D-A87D-3DE845B8615A}" type="slidenum">
-              <a:rPr lang="en-US">
-                <a:cs typeface="Arial" charset="0"/>
-              </a:rPr>
+            <a:fld id="{3E34B2BB-D99F-43B8-B4D6-3941E275349C}" type="slidenum">
+              <a:rPr lang="en-US"/>
               <a:pPr/>
               <a:t>46</a:t>
             </a:fld>
-            <a:endParaRPr lang="en-US">
-              <a:cs typeface="Arial" charset="0"/>
-            </a:endParaRPr>
+            <a:endParaRPr lang="en-US"/>
           </a:p>
         </p:txBody>
       </p:sp>
       <p:sp>
         <p:nvSpPr>
-          <p:cNvPr id="51203" name="Rectangle 2"/>
+          <p:cNvPr id="81923" name="Rectangle 2"/>
           <p:cNvSpPr>
             <a:spLocks noGrp="1" noRot="1" noChangeAspect="1" noChangeArrowheads="1" noTextEdit="1"/>
           </p:cNvSpPr>
@@ -4304,7 +4301,7 @@
       </p:sp>
       <p:sp>
         <p:nvSpPr>
-          <p:cNvPr id="51204" name="Rectangle 3"/>
+          <p:cNvPr id="81924" name="Rectangle 3"/>
           <p:cNvSpPr>
             <a:spLocks noGrp="1" noChangeArrowheads="1"/>
           </p:cNvSpPr>
@@ -4352,7 +4349,7 @@
       </p:grpSpPr>
       <p:sp>
         <p:nvSpPr>
-          <p:cNvPr id="55298" name="Rectangle 7"/>
+          <p:cNvPr id="51202" name="Rectangle 7"/>
           <p:cNvSpPr>
             <a:spLocks noGrp="1" noChangeArrowheads="1"/>
           </p:cNvSpPr>
@@ -4367,7 +4364,7 @@
           <a:bodyPr/>
           <a:lstStyle/>
           <a:p>
-            <a:fld id="{2B84E921-0F66-4DD2-A052-C3014BF5DD99}" type="slidenum">
+            <a:fld id="{35C0B081-214F-471D-A87D-3DE845B8615A}" type="slidenum">
               <a:rPr lang="en-US">
                 <a:cs typeface="Arial" charset="0"/>
               </a:rPr>
@@ -4382,7 +4379,7 @@
       </p:sp>
       <p:sp>
         <p:nvSpPr>
-          <p:cNvPr id="55299" name="Rectangle 2"/>
+          <p:cNvPr id="51203" name="Rectangle 2"/>
           <p:cNvSpPr>
             <a:spLocks noGrp="1" noRot="1" noChangeAspect="1" noChangeArrowheads="1" noTextEdit="1"/>
           </p:cNvSpPr>
@@ -4396,7 +4393,7 @@
       </p:sp>
       <p:sp>
         <p:nvSpPr>
-          <p:cNvPr id="55300" name="Rectangle 3"/>
+          <p:cNvPr id="51204" name="Rectangle 3"/>
           <p:cNvSpPr>
             <a:spLocks noGrp="1" noChangeArrowheads="1"/>
           </p:cNvSpPr>
@@ -4716,6 +4713,98 @@
       </p:grpSpPr>
       <p:sp>
         <p:nvSpPr>
+          <p:cNvPr id="55298" name="Rectangle 7"/>
+          <p:cNvSpPr>
+            <a:spLocks noGrp="1" noChangeArrowheads="1"/>
+          </p:cNvSpPr>
+          <p:nvPr>
+            <p:ph type="sldNum" sz="quarter" idx="5"/>
+          </p:nvPr>
+        </p:nvSpPr>
+        <p:spPr>
+          <a:noFill/>
+        </p:spPr>
+        <p:txBody>
+          <a:bodyPr/>
+          <a:lstStyle/>
+          <a:p>
+            <a:fld id="{2B84E921-0F66-4DD2-A052-C3014BF5DD99}" type="slidenum">
+              <a:rPr lang="en-US">
+                <a:cs typeface="Arial" charset="0"/>
+              </a:rPr>
+              <a:pPr/>
+              <a:t>50</a:t>
+            </a:fld>
+            <a:endParaRPr lang="en-US">
+              <a:cs typeface="Arial" charset="0"/>
+            </a:endParaRPr>
+          </a:p>
+        </p:txBody>
+      </p:sp>
+      <p:sp>
+        <p:nvSpPr>
+          <p:cNvPr id="55299" name="Rectangle 2"/>
+          <p:cNvSpPr>
+            <a:spLocks noGrp="1" noRot="1" noChangeAspect="1" noChangeArrowheads="1" noTextEdit="1"/>
+          </p:cNvSpPr>
+          <p:nvPr>
+            <p:ph type="sldImg"/>
+          </p:nvPr>
+        </p:nvSpPr>
+        <p:spPr>
+          <a:ln/>
+        </p:spPr>
+      </p:sp>
+      <p:sp>
+        <p:nvSpPr>
+          <p:cNvPr id="55300" name="Rectangle 3"/>
+          <p:cNvSpPr>
+            <a:spLocks noGrp="1" noChangeArrowheads="1"/>
+          </p:cNvSpPr>
+          <p:nvPr>
+            <p:ph type="body" idx="1"/>
+          </p:nvPr>
+        </p:nvSpPr>
+        <p:spPr>
+          <a:noFill/>
+          <a:ln/>
+        </p:spPr>
+        <p:txBody>
+          <a:bodyPr/>
+          <a:lstStyle/>
+          <a:p>
+            <a:pPr eaLnBrk="1" hangingPunct="1"/>
+            <a:endParaRPr lang="en-US" smtClean="0"/>
+          </a:p>
+        </p:txBody>
+      </p:sp>
+    </p:spTree>
+  </p:cSld>
+  <p:clrMapOvr>
+    <a:masterClrMapping/>
+  </p:clrMapOvr>
+</p:notes>
+</file>
+
+<file path=ppt/notesSlides/notesSlide51.xml><?xml version="1.0" encoding="utf-8"?>
+<p:notes xmlns:a="http://schemas.openxmlformats.org/drawingml/2006/main" xmlns:r="http://schemas.openxmlformats.org/officeDocument/2006/relationships" xmlns:mc="http://schemas.openxmlformats.org/markup-compatibility/2006" xmlns:mv="urn:schemas-microsoft-com:mac:vml" xmlns:p="http://schemas.openxmlformats.org/presentationml/2006/main" mc:Ignorable="mv" mc:PreserveAttributes="mv:*">
+  <p:cSld>
+    <p:spTree>
+      <p:nvGrpSpPr>
+        <p:cNvPr id="1" name=""/>
+        <p:cNvGrpSpPr/>
+        <p:nvPr/>
+      </p:nvGrpSpPr>
+      <p:grpSpPr>
+        <a:xfrm>
+          <a:off x="0" y="0"/>
+          <a:ext cx="0" cy="0"/>
+          <a:chOff x="0" y="0"/>
+          <a:chExt cx="0" cy="0"/>
+        </a:xfrm>
+      </p:grpSpPr>
+      <p:sp>
+        <p:nvSpPr>
           <p:cNvPr id="56322" name="Rectangle 7"/>
           <p:cNvSpPr>
             <a:spLocks noGrp="1" noChangeArrowheads="1"/>
@@ -4736,7 +4825,7 @@
                 <a:cs typeface="Arial" charset="0"/>
               </a:rPr>
               <a:pPr/>
-              <a:t>50</a:t>
+              <a:t>51</a:t>
             </a:fld>
             <a:endParaRPr lang="en-US">
               <a:cs typeface="Arial" charset="0"/>
@@ -4789,7 +4878,7 @@
 </p:notes>
 </file>
 
-<file path=ppt/notesSlides/notesSlide51.xml><?xml version="1.0" encoding="utf-8"?>
+<file path=ppt/notesSlides/notesSlide52.xml><?xml version="1.0" encoding="utf-8"?>
 <p:notes xmlns:a="http://schemas.openxmlformats.org/drawingml/2006/main" xmlns:r="http://schemas.openxmlformats.org/officeDocument/2006/relationships" xmlns:mc="http://schemas.openxmlformats.org/markup-compatibility/2006" xmlns:mv="urn:schemas-microsoft-com:mac:vml" xmlns:p="http://schemas.openxmlformats.org/presentationml/2006/main" mc:Ignorable="mv" mc:PreserveAttributes="mv:*">
   <p:cSld>
     <p:spTree>
@@ -4828,7 +4917,7 @@
                 <a:cs typeface="Arial" charset="0"/>
               </a:rPr>
               <a:pPr/>
-              <a:t>51</a:t>
+              <a:t>52</a:t>
             </a:fld>
             <a:endParaRPr lang="en-US">
               <a:cs typeface="Arial" charset="0"/>
@@ -4881,7 +4970,7 @@
 </p:notes>
 </file>
 
-<file path=ppt/notesSlides/notesSlide52.xml><?xml version="1.0" encoding="utf-8"?>
+<file path=ppt/notesSlides/notesSlide53.xml><?xml version="1.0" encoding="utf-8"?>
 <p:notes xmlns:a="http://schemas.openxmlformats.org/drawingml/2006/main" xmlns:r="http://schemas.openxmlformats.org/officeDocument/2006/relationships" xmlns:mc="http://schemas.openxmlformats.org/markup-compatibility/2006" xmlns:mv="urn:schemas-microsoft-com:mac:vml" xmlns:p="http://schemas.openxmlformats.org/presentationml/2006/main" mc:Ignorable="mv" mc:PreserveAttributes="mv:*">
   <p:cSld>
     <p:spTree>
@@ -4920,7 +5009,7 @@
                 <a:cs typeface="Arial" charset="0"/>
               </a:rPr>
               <a:pPr/>
-              <a:t>52</a:t>
+              <a:t>53</a:t>
             </a:fld>
             <a:endParaRPr lang="en-US">
               <a:cs typeface="Arial" charset="0"/>
@@ -4973,7 +5062,7 @@
 </p:notes>
 </file>
 
-<file path=ppt/notesSlides/notesSlide53.xml><?xml version="1.0" encoding="utf-8"?>
+<file path=ppt/notesSlides/notesSlide54.xml><?xml version="1.0" encoding="utf-8"?>
 <p:notes xmlns:a="http://schemas.openxmlformats.org/drawingml/2006/main" xmlns:r="http://schemas.openxmlformats.org/officeDocument/2006/relationships" xmlns:mc="http://schemas.openxmlformats.org/markup-compatibility/2006" xmlns:mv="urn:schemas-microsoft-com:mac:vml" xmlns:p="http://schemas.openxmlformats.org/presentationml/2006/main" mc:Ignorable="mv" mc:PreserveAttributes="mv:*">
   <p:cSld>
     <p:spTree>
@@ -5012,7 +5101,7 @@
                 <a:cs typeface="Arial" charset="0"/>
               </a:rPr>
               <a:pPr/>
-              <a:t>53</a:t>
+              <a:t>54</a:t>
             </a:fld>
             <a:endParaRPr lang="en-US">
               <a:cs typeface="Arial" charset="0"/>
@@ -5065,7 +5154,7 @@
 </p:notes>
 </file>
 
-<file path=ppt/notesSlides/notesSlide54.xml><?xml version="1.0" encoding="utf-8"?>
+<file path=ppt/notesSlides/notesSlide55.xml><?xml version="1.0" encoding="utf-8"?>
 <p:notes xmlns:a="http://schemas.openxmlformats.org/drawingml/2006/main" xmlns:r="http://schemas.openxmlformats.org/officeDocument/2006/relationships" xmlns:mc="http://schemas.openxmlformats.org/markup-compatibility/2006" xmlns:mv="urn:schemas-microsoft-com:mac:vml" xmlns:p="http://schemas.openxmlformats.org/presentationml/2006/main" mc:Ignorable="mv" mc:PreserveAttributes="mv:*">
   <p:cSld>
     <p:spTree>
@@ -5104,7 +5193,7 @@
                 <a:cs typeface="Arial" charset="0"/>
               </a:rPr>
               <a:pPr/>
-              <a:t>54</a:t>
+              <a:t>55</a:t>
             </a:fld>
             <a:endParaRPr lang="en-US">
               <a:cs typeface="Arial" charset="0"/>
@@ -5157,7 +5246,7 @@
 </p:notes>
 </file>
 
-<file path=ppt/notesSlides/notesSlide55.xml><?xml version="1.0" encoding="utf-8"?>
+<file path=ppt/notesSlides/notesSlide56.xml><?xml version="1.0" encoding="utf-8"?>
 <p:notes xmlns:a="http://schemas.openxmlformats.org/drawingml/2006/main" xmlns:r="http://schemas.openxmlformats.org/officeDocument/2006/relationships" xmlns:mc="http://schemas.openxmlformats.org/markup-compatibility/2006" xmlns:mv="urn:schemas-microsoft-com:mac:vml" xmlns:p="http://schemas.openxmlformats.org/presentationml/2006/main" mc:Ignorable="mv" mc:PreserveAttributes="mv:*">
   <p:cSld>
     <p:spTree>
@@ -5196,7 +5285,7 @@
                 <a:cs typeface="Arial" charset="0"/>
               </a:rPr>
               <a:pPr/>
-              <a:t>55</a:t>
+              <a:t>56</a:t>
             </a:fld>
             <a:endParaRPr lang="en-US">
               <a:cs typeface="Arial" charset="0"/>
@@ -5249,7 +5338,7 @@
 </p:notes>
 </file>
 
-<file path=ppt/notesSlides/notesSlide56.xml><?xml version="1.0" encoding="utf-8"?>
+<file path=ppt/notesSlides/notesSlide57.xml><?xml version="1.0" encoding="utf-8"?>
 <p:notes xmlns:a="http://schemas.openxmlformats.org/drawingml/2006/main" xmlns:r="http://schemas.openxmlformats.org/officeDocument/2006/relationships" xmlns:mc="http://schemas.openxmlformats.org/markup-compatibility/2006" xmlns:mv="urn:schemas-microsoft-com:mac:vml" xmlns:p="http://schemas.openxmlformats.org/presentationml/2006/main" mc:Ignorable="mv" mc:PreserveAttributes="mv:*">
   <p:cSld>
     <p:spTree>
@@ -5288,7 +5377,7 @@
                 <a:cs typeface="Arial" charset="0"/>
               </a:rPr>
               <a:pPr/>
-              <a:t>56</a:t>
+              <a:t>57</a:t>
             </a:fld>
             <a:endParaRPr lang="en-US">
               <a:cs typeface="Arial" charset="0"/>
@@ -5341,7 +5430,7 @@
 </p:notes>
 </file>
 
-<file path=ppt/notesSlides/notesSlide57.xml><?xml version="1.0" encoding="utf-8"?>
+<file path=ppt/notesSlides/notesSlide58.xml><?xml version="1.0" encoding="utf-8"?>
 <p:notes xmlns:a="http://schemas.openxmlformats.org/drawingml/2006/main" xmlns:r="http://schemas.openxmlformats.org/officeDocument/2006/relationships" xmlns:mc="http://schemas.openxmlformats.org/markup-compatibility/2006" xmlns:mv="urn:schemas-microsoft-com:mac:vml" xmlns:p="http://schemas.openxmlformats.org/presentationml/2006/main" mc:Ignorable="mv" mc:PreserveAttributes="mv:*">
   <p:cSld>
     <p:spTree>
@@ -5380,7 +5469,7 @@
                 <a:cs typeface="Arial" charset="0"/>
               </a:rPr>
               <a:pPr/>
-              <a:t>57</a:t>
+              <a:t>58</a:t>
             </a:fld>
             <a:endParaRPr lang="en-US">
               <a:cs typeface="Arial" charset="0"/>
@@ -5433,7 +5522,7 @@
 </p:notes>
 </file>
 
-<file path=ppt/notesSlides/notesSlide58.xml><?xml version="1.0" encoding="utf-8"?>
+<file path=ppt/notesSlides/notesSlide59.xml><?xml version="1.0" encoding="utf-8"?>
 <p:notes xmlns:a="http://schemas.openxmlformats.org/drawingml/2006/main" xmlns:r="http://schemas.openxmlformats.org/officeDocument/2006/relationships" xmlns:mc="http://schemas.openxmlformats.org/markup-compatibility/2006" xmlns:mv="urn:schemas-microsoft-com:mac:vml" xmlns:p="http://schemas.openxmlformats.org/presentationml/2006/main" mc:Ignorable="mv" mc:PreserveAttributes="mv:*">
   <p:cSld>
     <p:spTree>
@@ -5472,7 +5561,7 @@
                 <a:cs typeface="Arial" charset="0"/>
               </a:rPr>
               <a:pPr/>
-              <a:t>58</a:t>
+              <a:t>59</a:t>
             </a:fld>
             <a:endParaRPr lang="en-US">
               <a:cs typeface="Arial" charset="0"/>
@@ -5497,98 +5586,6 @@
       <p:sp>
         <p:nvSpPr>
           <p:cNvPr id="45060" name="Rectangle 3"/>
-          <p:cNvSpPr>
-            <a:spLocks noGrp="1" noChangeArrowheads="1"/>
-          </p:cNvSpPr>
-          <p:nvPr>
-            <p:ph type="body" idx="1"/>
-          </p:nvPr>
-        </p:nvSpPr>
-        <p:spPr>
-          <a:noFill/>
-          <a:ln/>
-        </p:spPr>
-        <p:txBody>
-          <a:bodyPr/>
-          <a:lstStyle/>
-          <a:p>
-            <a:pPr eaLnBrk="1" hangingPunct="1"/>
-            <a:endParaRPr lang="en-US" smtClean="0"/>
-          </a:p>
-        </p:txBody>
-      </p:sp>
-    </p:spTree>
-  </p:cSld>
-  <p:clrMapOvr>
-    <a:masterClrMapping/>
-  </p:clrMapOvr>
-</p:notes>
-</file>
-
-<file path=ppt/notesSlides/notesSlide59.xml><?xml version="1.0" encoding="utf-8"?>
-<p:notes xmlns:a="http://schemas.openxmlformats.org/drawingml/2006/main" xmlns:r="http://schemas.openxmlformats.org/officeDocument/2006/relationships" xmlns:mc="http://schemas.openxmlformats.org/markup-compatibility/2006" xmlns:mv="urn:schemas-microsoft-com:mac:vml" xmlns:p="http://schemas.openxmlformats.org/presentationml/2006/main" mc:Ignorable="mv" mc:PreserveAttributes="mv:*">
-  <p:cSld>
-    <p:spTree>
-      <p:nvGrpSpPr>
-        <p:cNvPr id="1" name=""/>
-        <p:cNvGrpSpPr/>
-        <p:nvPr/>
-      </p:nvGrpSpPr>
-      <p:grpSpPr>
-        <a:xfrm>
-          <a:off x="0" y="0"/>
-          <a:ext cx="0" cy="0"/>
-          <a:chOff x="0" y="0"/>
-          <a:chExt cx="0" cy="0"/>
-        </a:xfrm>
-      </p:grpSpPr>
-      <p:sp>
-        <p:nvSpPr>
-          <p:cNvPr id="46082" name="Rectangle 7"/>
-          <p:cNvSpPr>
-            <a:spLocks noGrp="1" noChangeArrowheads="1"/>
-          </p:cNvSpPr>
-          <p:nvPr>
-            <p:ph type="sldNum" sz="quarter" idx="5"/>
-          </p:nvPr>
-        </p:nvSpPr>
-        <p:spPr>
-          <a:noFill/>
-        </p:spPr>
-        <p:txBody>
-          <a:bodyPr/>
-          <a:lstStyle/>
-          <a:p>
-            <a:fld id="{E17D9EE5-8AC1-43C9-9202-68FCCB505139}" type="slidenum">
-              <a:rPr lang="en-US">
-                <a:cs typeface="Arial" charset="0"/>
-              </a:rPr>
-              <a:pPr/>
-              <a:t>59</a:t>
-            </a:fld>
-            <a:endParaRPr lang="en-US">
-              <a:cs typeface="Arial" charset="0"/>
-            </a:endParaRPr>
-          </a:p>
-        </p:txBody>
-      </p:sp>
-      <p:sp>
-        <p:nvSpPr>
-          <p:cNvPr id="46083" name="Rectangle 2"/>
-          <p:cNvSpPr>
-            <a:spLocks noGrp="1" noRot="1" noChangeAspect="1" noChangeArrowheads="1" noTextEdit="1"/>
-          </p:cNvSpPr>
-          <p:nvPr>
-            <p:ph type="sldImg"/>
-          </p:nvPr>
-        </p:nvSpPr>
-        <p:spPr>
-          <a:ln/>
-        </p:spPr>
-      </p:sp>
-      <p:sp>
-        <p:nvSpPr>
-          <p:cNvPr id="46084" name="Rectangle 3"/>
           <p:cNvSpPr>
             <a:spLocks noGrp="1" noChangeArrowheads="1"/>
           </p:cNvSpPr>
@@ -5724,6 +5721,98 @@
       </p:grpSpPr>
       <p:sp>
         <p:nvSpPr>
+          <p:cNvPr id="46082" name="Rectangle 7"/>
+          <p:cNvSpPr>
+            <a:spLocks noGrp="1" noChangeArrowheads="1"/>
+          </p:cNvSpPr>
+          <p:nvPr>
+            <p:ph type="sldNum" sz="quarter" idx="5"/>
+          </p:nvPr>
+        </p:nvSpPr>
+        <p:spPr>
+          <a:noFill/>
+        </p:spPr>
+        <p:txBody>
+          <a:bodyPr/>
+          <a:lstStyle/>
+          <a:p>
+            <a:fld id="{E17D9EE5-8AC1-43C9-9202-68FCCB505139}" type="slidenum">
+              <a:rPr lang="en-US">
+                <a:cs typeface="Arial" charset="0"/>
+              </a:rPr>
+              <a:pPr/>
+              <a:t>60</a:t>
+            </a:fld>
+            <a:endParaRPr lang="en-US">
+              <a:cs typeface="Arial" charset="0"/>
+            </a:endParaRPr>
+          </a:p>
+        </p:txBody>
+      </p:sp>
+      <p:sp>
+        <p:nvSpPr>
+          <p:cNvPr id="46083" name="Rectangle 2"/>
+          <p:cNvSpPr>
+            <a:spLocks noGrp="1" noRot="1" noChangeAspect="1" noChangeArrowheads="1" noTextEdit="1"/>
+          </p:cNvSpPr>
+          <p:nvPr>
+            <p:ph type="sldImg"/>
+          </p:nvPr>
+        </p:nvSpPr>
+        <p:spPr>
+          <a:ln/>
+        </p:spPr>
+      </p:sp>
+      <p:sp>
+        <p:nvSpPr>
+          <p:cNvPr id="46084" name="Rectangle 3"/>
+          <p:cNvSpPr>
+            <a:spLocks noGrp="1" noChangeArrowheads="1"/>
+          </p:cNvSpPr>
+          <p:nvPr>
+            <p:ph type="body" idx="1"/>
+          </p:nvPr>
+        </p:nvSpPr>
+        <p:spPr>
+          <a:noFill/>
+          <a:ln/>
+        </p:spPr>
+        <p:txBody>
+          <a:bodyPr/>
+          <a:lstStyle/>
+          <a:p>
+            <a:pPr eaLnBrk="1" hangingPunct="1"/>
+            <a:endParaRPr lang="en-US" smtClean="0"/>
+          </a:p>
+        </p:txBody>
+      </p:sp>
+    </p:spTree>
+  </p:cSld>
+  <p:clrMapOvr>
+    <a:masterClrMapping/>
+  </p:clrMapOvr>
+</p:notes>
+</file>
+
+<file path=ppt/notesSlides/notesSlide61.xml><?xml version="1.0" encoding="utf-8"?>
+<p:notes xmlns:a="http://schemas.openxmlformats.org/drawingml/2006/main" xmlns:r="http://schemas.openxmlformats.org/officeDocument/2006/relationships" xmlns:mc="http://schemas.openxmlformats.org/markup-compatibility/2006" xmlns:mv="urn:schemas-microsoft-com:mac:vml" xmlns:p="http://schemas.openxmlformats.org/presentationml/2006/main" mc:Ignorable="mv" mc:PreserveAttributes="mv:*">
+  <p:cSld>
+    <p:spTree>
+      <p:nvGrpSpPr>
+        <p:cNvPr id="1" name=""/>
+        <p:cNvGrpSpPr/>
+        <p:nvPr/>
+      </p:nvGrpSpPr>
+      <p:grpSpPr>
+        <a:xfrm>
+          <a:off x="0" y="0"/>
+          <a:ext cx="0" cy="0"/>
+          <a:chOff x="0" y="0"/>
+          <a:chExt cx="0" cy="0"/>
+        </a:xfrm>
+      </p:grpSpPr>
+      <p:sp>
+        <p:nvSpPr>
           <p:cNvPr id="47106" name="Rectangle 7"/>
           <p:cNvSpPr>
             <a:spLocks noGrp="1" noChangeArrowheads="1"/>
@@ -5744,7 +5833,7 @@
                 <a:cs typeface="Arial" charset="0"/>
               </a:rPr>
               <a:pPr/>
-              <a:t>60</a:t>
+              <a:t>61</a:t>
             </a:fld>
             <a:endParaRPr lang="en-US">
               <a:cs typeface="Arial" charset="0"/>
@@ -5797,7 +5886,7 @@
 </p:notes>
 </file>
 
-<file path=ppt/notesSlides/notesSlide61.xml><?xml version="1.0" encoding="utf-8"?>
+<file path=ppt/notesSlides/notesSlide62.xml><?xml version="1.0" encoding="utf-8"?>
 <p:notes xmlns:a="http://schemas.openxmlformats.org/drawingml/2006/main" xmlns:r="http://schemas.openxmlformats.org/officeDocument/2006/relationships" xmlns:mc="http://schemas.openxmlformats.org/markup-compatibility/2006" xmlns:mv="urn:schemas-microsoft-com:mac:vml" xmlns:p="http://schemas.openxmlformats.org/presentationml/2006/main" mc:Ignorable="mv" mc:PreserveAttributes="mv:*">
   <p:cSld>
     <p:spTree>
@@ -5834,7 +5923,7 @@
             <a:fld id="{6653F924-F418-411E-8C35-24F3766CE997}" type="slidenum">
               <a:rPr lang="en-US" smtClean="0"/>
               <a:pPr/>
-              <a:t>61</a:t>
+              <a:t>62</a:t>
             </a:fld>
             <a:endParaRPr lang="en-US" smtClean="0"/>
           </a:p>
@@ -7199,52 +7288,7 @@
                 <a:uFillTx/>
                 <a:latin typeface="Comic Sans MS" pitchFamily="66" charset="0"/>
               </a:rPr>
-              <a:t>Albert R </a:t>
-            </a:r>
-            <a:r>
-              <a:rPr kumimoji="0" lang="en-US" sz="1200" b="0" i="0" u="none" strike="noStrike" kern="1200" cap="none" spc="0" normalizeH="0" baseline="0" noProof="0" dirty="0" smtClean="0">
-                <a:ln>
-                  <a:noFill/>
-                </a:ln>
-                <a:solidFill>
-                  <a:schemeClr val="tx1"/>
-                </a:solidFill>
-                <a:effectLst/>
-                <a:uLnTx/>
-                <a:uFillTx/>
-                <a:latin typeface="Comic Sans MS" pitchFamily="66" charset="0"/>
-              </a:rPr>
-              <a:t>Meyer                </a:t>
-            </a:r>
-            <a:r>
-              <a:rPr kumimoji="0" lang="en-US" sz="1200" b="0" i="0" u="none" strike="noStrike" kern="1200" cap="none" spc="0" normalizeH="0" baseline="0" noProof="0" dirty="0" smtClean="0">
-                <a:ln>
-                  <a:noFill/>
-                </a:ln>
-                <a:solidFill>
-                  <a:schemeClr val="tx1"/>
-                </a:solidFill>
-                <a:effectLst/>
-                <a:uLnTx/>
-                <a:uFillTx/>
-                <a:latin typeface="Comic Sans MS" pitchFamily="66" charset="0"/>
-              </a:rPr>
-              <a:t>February 22, </a:t>
-            </a:r>
-            <a:r>
-              <a:rPr kumimoji="0" lang="en-US" sz="1200" b="0" i="0" u="none" strike="noStrike" kern="1200" cap="none" spc="0" normalizeH="0" baseline="0" noProof="0" dirty="0" smtClean="0">
-                <a:ln>
-                  <a:noFill/>
-                </a:ln>
-                <a:solidFill>
-                  <a:schemeClr val="tx1"/>
-                </a:solidFill>
-                <a:effectLst/>
-                <a:uLnTx/>
-                <a:uFillTx/>
-                <a:latin typeface="Comic Sans MS" pitchFamily="66" charset="0"/>
-              </a:rPr>
-              <a:t>2011</a:t>
+              <a:t>Albert R Meyer                February 22, 2011</a:t>
             </a:r>
             <a:endParaRPr kumimoji="0" lang="en-US" sz="1200" b="0" i="0" u="none" strike="noStrike" kern="1200" cap="none" spc="0" normalizeH="0" baseline="0" noProof="0" dirty="0">
               <a:ln>
@@ -31309,7 +31353,7 @@
               <a:t>(</a:t>
             </a:r>
             <a:r>
-              <a:rPr lang="en-US" sz="2800" dirty="0">
+              <a:rPr lang="en-US" sz="2800" dirty="0" err="1">
                 <a:solidFill>
                   <a:srgbClr val="008000"/>
                 </a:solidFill>
@@ -31318,40 +31362,40 @@
               <a:t>n</a:t>
             </a:r>
             <a:r>
+              <a:rPr lang="en-US" sz="2800" dirty="0" smtClean="0">
+                <a:latin typeface="Comic Sans MS" pitchFamily="66" charset="0"/>
+              </a:rPr>
+              <a:t>=1)</a:t>
+            </a:r>
+            <a:r>
               <a:rPr lang="en-US" sz="2800" dirty="0">
                 <a:latin typeface="Comic Sans MS" pitchFamily="66" charset="0"/>
               </a:rPr>
-              <a:t>=0):</a:t>
-            </a:r>
-          </a:p>
-          <a:p>
-            <a:r>
-              <a:rPr lang="en-US" sz="2800" dirty="0">
-                <a:latin typeface="Comic Sans MS" pitchFamily="66" charset="0"/>
-              </a:rPr>
-              <a:t>	No horses so </a:t>
-            </a:r>
-            <a:r>
-              <a:rPr lang="en-US" sz="2800" dirty="0">
-                <a:solidFill>
-                  <a:srgbClr val="BC34CA"/>
-                </a:solidFill>
-                <a:latin typeface="Comic Sans MS" pitchFamily="66" charset="0"/>
-              </a:rPr>
-              <a:t>vacuously </a:t>
-            </a:r>
+              <a:t>:</a:t>
+            </a:r>
+          </a:p>
+          <a:p>
             <a:r>
               <a:rPr lang="en-US" sz="2800" dirty="0" smtClean="0">
                 <a:latin typeface="Comic Sans MS" pitchFamily="66" charset="0"/>
               </a:rPr>
-              <a:t>true</a:t>
-            </a:r>
-            <a:r>
-              <a:rPr lang="en-US" sz="2800" dirty="0">
-                <a:latin typeface="Comic Sans MS" pitchFamily="66" charset="0"/>
-              </a:rPr>
-              <a:t>!</a:t>
-            </a:r>
+              <a:t>	</a:t>
+            </a:r>
+            <a:r>
+              <a:rPr lang="en-US" sz="2800" dirty="0" smtClean="0">
+                <a:latin typeface="Comic Sans MS" pitchFamily="66" charset="0"/>
+              </a:rPr>
+              <a:t>h</a:t>
+            </a:r>
+            <a:r>
+              <a:rPr lang="en-US" sz="2800" dirty="0" smtClean="0">
+                <a:latin typeface="Comic Sans MS" pitchFamily="66" charset="0"/>
+              </a:rPr>
+              <a:t>orse is same color as itself!</a:t>
+            </a:r>
+            <a:endParaRPr lang="en-US" sz="2800" dirty="0">
+              <a:latin typeface="Comic Sans MS" pitchFamily="66" charset="0"/>
+            </a:endParaRPr>
           </a:p>
         </p:txBody>
       </p:sp>
@@ -31603,6 +31647,38 @@
           </p:spPr>
         </p:pic>
       </p:grpSp>
+      <p:pic>
+        <p:nvPicPr>
+          <p:cNvPr id="13" name="Picture 5" descr="MCj01051920000[1]"/>
+          <p:cNvPicPr>
+            <a:picLocks noChangeAspect="1" noChangeArrowheads="1"/>
+          </p:cNvPicPr>
+          <p:nvPr/>
+        </p:nvPicPr>
+        <p:blipFill>
+          <a:blip r:embed="rId4" cstate="print"/>
+          <a:srcRect/>
+          <a:stretch>
+            <a:fillRect/>
+          </a:stretch>
+        </p:blipFill>
+        <p:spPr bwMode="auto">
+          <a:xfrm>
+            <a:off x="6629400" y="3429000"/>
+            <a:ext cx="1289050" cy="977900"/>
+          </a:xfrm>
+          <a:prstGeom prst="rect">
+            <a:avLst/>
+          </a:prstGeom>
+          <a:noFill/>
+          <a:ln w="9525">
+            <a:noFill/>
+            <a:miter lim="800000"/>
+            <a:headEnd/>
+            <a:tailEnd/>
+          </a:ln>
+        </p:spPr>
+      </p:pic>
     </p:spTree>
   </p:cSld>
   <p:clrMapOvr>
@@ -32005,6 +32081,128 @@
                                         </p:tgtEl>
                                       </p:cBhvr>
                                     </p:animEffect>
+                                  </p:childTnLst>
+                                </p:cTn>
+                              </p:par>
+                            </p:childTnLst>
+                          </p:cTn>
+                        </p:par>
+                      </p:childTnLst>
+                    </p:cTn>
+                  </p:par>
+                  <p:par>
+                    <p:cTn id="32" fill="hold">
+                      <p:stCondLst>
+                        <p:cond delay="indefinite"/>
+                      </p:stCondLst>
+                      <p:childTnLst>
+                        <p:par>
+                          <p:cTn id="33" fill="hold">
+                            <p:stCondLst>
+                              <p:cond delay="0"/>
+                            </p:stCondLst>
+                            <p:childTnLst>
+                              <p:par>
+                                <p:cTn id="34" presetID="35" presetClass="entr" presetSubtype="0" fill="hold" nodeType="clickEffect">
+                                  <p:stCondLst>
+                                    <p:cond delay="0"/>
+                                  </p:stCondLst>
+                                  <p:childTnLst>
+                                    <p:set>
+                                      <p:cBhvr>
+                                        <p:cTn id="35" dur="1" fill="hold">
+                                          <p:stCondLst>
+                                            <p:cond delay="0"/>
+                                          </p:stCondLst>
+                                        </p:cTn>
+                                        <p:tgtEl>
+                                          <p:spTgt spid="13"/>
+                                        </p:tgtEl>
+                                        <p:attrNameLst>
+                                          <p:attrName>style.visibility</p:attrName>
+                                        </p:attrNameLst>
+                                      </p:cBhvr>
+                                      <p:to>
+                                        <p:strVal val="visible"/>
+                                      </p:to>
+                                    </p:set>
+                                    <p:animEffect transition="in" filter="fade">
+                                      <p:cBhvr>
+                                        <p:cTn id="36" dur="500"/>
+                                        <p:tgtEl>
+                                          <p:spTgt spid="13"/>
+                                        </p:tgtEl>
+                                      </p:cBhvr>
+                                    </p:animEffect>
+                                    <p:anim calcmode="lin" valueType="num">
+                                      <p:cBhvr>
+                                        <p:cTn id="37" dur="500" fill="hold"/>
+                                        <p:tgtEl>
+                                          <p:spTgt spid="13"/>
+                                        </p:tgtEl>
+                                        <p:attrNameLst>
+                                          <p:attrName>style.rotation</p:attrName>
+                                        </p:attrNameLst>
+                                      </p:cBhvr>
+                                      <p:tavLst>
+                                        <p:tav tm="0">
+                                          <p:val>
+                                            <p:fltVal val="720"/>
+                                          </p:val>
+                                        </p:tav>
+                                        <p:tav tm="100000">
+                                          <p:val>
+                                            <p:fltVal val="0"/>
+                                          </p:val>
+                                        </p:tav>
+                                      </p:tavLst>
+                                    </p:anim>
+                                    <p:anim calcmode="lin" valueType="num">
+                                      <p:cBhvr>
+                                        <p:cTn id="38" dur="500" fill="hold"/>
+                                        <p:tgtEl>
+                                          <p:spTgt spid="13"/>
+                                        </p:tgtEl>
+                                        <p:attrNameLst>
+                                          <p:attrName>ppt_h</p:attrName>
+                                        </p:attrNameLst>
+                                      </p:cBhvr>
+                                      <p:tavLst>
+                                        <p:tav tm="0">
+                                          <p:val>
+                                            <p:fltVal val="0"/>
+                                          </p:val>
+                                        </p:tav>
+                                        <p:tav tm="100000">
+                                          <p:val>
+                                            <p:strVal val="#ppt_h"/>
+                                          </p:val>
+                                        </p:tav>
+                                      </p:tavLst>
+                                    </p:anim>
+                                    <p:anim calcmode="lin" valueType="num">
+                                      <p:cBhvr>
+                                        <p:cTn id="39" dur="500" fill="hold"/>
+                                        <p:tgtEl>
+                                          <p:spTgt spid="13"/>
+                                        </p:tgtEl>
+                                        <p:attrNameLst>
+                                          <p:attrName>ppt_w</p:attrName>
+                                        </p:attrNameLst>
+                                      </p:cBhvr>
+                                      <p:tavLst>
+                                        <p:tav tm="0">
+                                          <p:val>
+                                            <p:fltVal val="0"/>
+                                          </p:val>
+                                        </p:tav>
+                                        <p:tav tm="100000">
+                                          <p:val>
+                                            <p:strVal val="#ppt_w"/>
+                                          </p:val>
+                                        </p:tav>
+                                      </p:tavLst>
+                                    </p:anim>
                                   </p:childTnLst>
                                 </p:cTn>
                               </p:par>
@@ -34330,6 +34528,788 @@
           </a:p>
         </p:txBody>
       </p:sp>
+      <p:sp>
+        <p:nvSpPr>
+          <p:cNvPr id="18" name="TextBox 17"/>
+          <p:cNvSpPr txBox="1"/>
+          <p:nvPr/>
+        </p:nvSpPr>
+        <p:spPr>
+          <a:xfrm>
+            <a:off x="838200" y="3124200"/>
+            <a:ext cx="7848600" cy="1200329"/>
+          </a:xfrm>
+          <a:prstGeom prst="rect">
+            <a:avLst/>
+          </a:prstGeom>
+          <a:noFill/>
+        </p:spPr>
+        <p:txBody>
+          <a:bodyPr wrap="square" rtlCol="0">
+            <a:spAutoFit/>
+          </a:bodyPr>
+          <a:lstStyle/>
+          <a:p>
+            <a:r>
+              <a:rPr lang="en-US" sz="3600" dirty="0" smtClean="0">
+                <a:latin typeface="Comic Sans MS" pitchFamily="66" charset="0"/>
+              </a:rPr>
+              <a:t>1</a:t>
+            </a:r>
+            <a:r>
+              <a:rPr lang="en-US" sz="3600" baseline="30000" dirty="0" smtClean="0">
+                <a:latin typeface="Comic Sans MS" pitchFamily="66" charset="0"/>
+              </a:rPr>
+              <a:t>st</a:t>
+            </a:r>
+            <a:r>
+              <a:rPr lang="en-US" sz="3600" dirty="0" smtClean="0">
+                <a:latin typeface="Comic Sans MS" pitchFamily="66" charset="0"/>
+              </a:rPr>
+              <a:t> and last       same color as </a:t>
+            </a:r>
+          </a:p>
+          <a:p>
+            <a:r>
+              <a:rPr lang="en-US" sz="3600" dirty="0" smtClean="0">
+                <a:latin typeface="Comic Sans MS" pitchFamily="66" charset="0"/>
+              </a:rPr>
+              <a:t>the </a:t>
+            </a:r>
+            <a:r>
+              <a:rPr lang="en-US" sz="3600" dirty="0" smtClean="0">
+                <a:latin typeface="Comic Sans MS" pitchFamily="66" charset="0"/>
+              </a:rPr>
+              <a:t>middle ones</a:t>
+            </a:r>
+            <a:endParaRPr lang="en-US" sz="3600" dirty="0" smtClean="0">
+              <a:latin typeface="Comic Sans MS" pitchFamily="66" charset="0"/>
+            </a:endParaRPr>
+          </a:p>
+        </p:txBody>
+      </p:sp>
+      <p:pic>
+        <p:nvPicPr>
+          <p:cNvPr id="20" name="Picture 10" descr="AN02479_"/>
+          <p:cNvPicPr>
+            <a:picLocks noChangeAspect="1" noChangeArrowheads="1"/>
+          </p:cNvPicPr>
+          <p:nvPr/>
+        </p:nvPicPr>
+        <p:blipFill>
+          <a:blip r:embed="rId3" cstate="print"/>
+          <a:srcRect/>
+          <a:stretch>
+            <a:fillRect/>
+          </a:stretch>
+        </p:blipFill>
+        <p:spPr bwMode="auto">
+          <a:xfrm>
+            <a:off x="3352800" y="3048000"/>
+            <a:ext cx="722832" cy="646557"/>
+          </a:xfrm>
+          <a:prstGeom prst="rect">
+            <a:avLst/>
+          </a:prstGeom>
+          <a:noFill/>
+          <a:ln w="9525">
+            <a:noFill/>
+            <a:miter lim="800000"/>
+            <a:headEnd/>
+            <a:tailEnd/>
+          </a:ln>
+        </p:spPr>
+      </p:pic>
+    </p:spTree>
+  </p:cSld>
+  <p:clrMapOvr>
+    <a:masterClrMapping/>
+  </p:clrMapOvr>
+  <p:transition spd="slow">
+    <p:fade/>
+  </p:transition>
+  <p:timing>
+    <p:tnLst>
+      <p:par>
+        <p:cTn id="1" dur="indefinite" restart="never" nodeType="tmRoot">
+          <p:childTnLst>
+            <p:seq concurrent="1" nextAc="seek">
+              <p:cTn id="2" dur="indefinite" nodeType="mainSeq">
+                <p:childTnLst>
+                  <p:par>
+                    <p:cTn id="3" fill="hold">
+                      <p:stCondLst>
+                        <p:cond delay="indefinite"/>
+                      </p:stCondLst>
+                      <p:childTnLst>
+                        <p:par>
+                          <p:cTn id="4" fill="hold">
+                            <p:stCondLst>
+                              <p:cond delay="0"/>
+                            </p:stCondLst>
+                            <p:childTnLst>
+                              <p:par>
+                                <p:cTn id="5" presetID="1" presetClass="entr" presetSubtype="0" fill="hold" nodeType="clickEffect">
+                                  <p:stCondLst>
+                                    <p:cond delay="0"/>
+                                  </p:stCondLst>
+                                  <p:childTnLst>
+                                    <p:set>
+                                      <p:cBhvr>
+                                        <p:cTn id="6" dur="1" fill="hold">
+                                          <p:stCondLst>
+                                            <p:cond delay="0"/>
+                                          </p:stCondLst>
+                                        </p:cTn>
+                                        <p:tgtEl>
+                                          <p:spTgt spid="3"/>
+                                        </p:tgtEl>
+                                        <p:attrNameLst>
+                                          <p:attrName>style.visibility</p:attrName>
+                                        </p:attrNameLst>
+                                      </p:cBhvr>
+                                      <p:to>
+                                        <p:strVal val="visible"/>
+                                      </p:to>
+                                    </p:set>
+                                  </p:childTnLst>
+                                </p:cTn>
+                              </p:par>
+                            </p:childTnLst>
+                          </p:cTn>
+                        </p:par>
+                      </p:childTnLst>
+                    </p:cTn>
+                  </p:par>
+                </p:childTnLst>
+              </p:cTn>
+              <p:prevCondLst>
+                <p:cond evt="onPrev" delay="0">
+                  <p:tgtEl>
+                    <p:sldTgt/>
+                  </p:tgtEl>
+                </p:cond>
+              </p:prevCondLst>
+              <p:nextCondLst>
+                <p:cond evt="onNext" delay="0">
+                  <p:tgtEl>
+                    <p:sldTgt/>
+                  </p:tgtEl>
+                </p:cond>
+              </p:nextCondLst>
+            </p:seq>
+          </p:childTnLst>
+        </p:cTn>
+      </p:par>
+    </p:tnLst>
+  </p:timing>
+</p:sld>
+</file>
+
+<file path=ppt/slides/slide44.xml><?xml version="1.0" encoding="utf-8"?>
+<p:sld xmlns:a="http://schemas.openxmlformats.org/drawingml/2006/main" xmlns:r="http://schemas.openxmlformats.org/officeDocument/2006/relationships" xmlns:mc="http://schemas.openxmlformats.org/markup-compatibility/2006" xmlns:mv="urn:schemas-microsoft-com:mac:vml" xmlns:p="http://schemas.openxmlformats.org/presentationml/2006/main" mc:Ignorable="mv" mc:PreserveAttributes="mv:*" show="0">
+  <p:cSld>
+    <p:spTree>
+      <p:nvGrpSpPr>
+        <p:cNvPr id="1" name=""/>
+        <p:cNvGrpSpPr/>
+        <p:nvPr/>
+      </p:nvGrpSpPr>
+      <p:grpSpPr>
+        <a:xfrm>
+          <a:off x="0" y="0"/>
+          <a:ext cx="0" cy="0"/>
+          <a:chOff x="0" y="0"/>
+          <a:chExt cx="0" cy="0"/>
+        </a:xfrm>
+      </p:grpSpPr>
+      <p:pic>
+        <p:nvPicPr>
+          <p:cNvPr id="38922" name="Picture 4" descr="AN02479_"/>
+          <p:cNvPicPr>
+            <a:picLocks noChangeAspect="1" noChangeArrowheads="1"/>
+          </p:cNvPicPr>
+          <p:nvPr/>
+        </p:nvPicPr>
+        <p:blipFill>
+          <a:blip r:embed="rId3" cstate="print"/>
+          <a:srcRect/>
+          <a:stretch>
+            <a:fillRect/>
+          </a:stretch>
+        </p:blipFill>
+        <p:spPr bwMode="auto">
+          <a:xfrm>
+            <a:off x="990600" y="4495800"/>
+            <a:ext cx="947738" cy="847725"/>
+          </a:xfrm>
+          <a:prstGeom prst="rect">
+            <a:avLst/>
+          </a:prstGeom>
+          <a:noFill/>
+          <a:ln w="9525">
+            <a:noFill/>
+            <a:miter lim="800000"/>
+            <a:headEnd/>
+            <a:tailEnd/>
+          </a:ln>
+        </p:spPr>
+      </p:pic>
+      <p:pic>
+        <p:nvPicPr>
+          <p:cNvPr id="38923" name="Picture 5" descr="AN02479_"/>
+          <p:cNvPicPr>
+            <a:picLocks noChangeAspect="1" noChangeArrowheads="1"/>
+          </p:cNvPicPr>
+          <p:nvPr/>
+        </p:nvPicPr>
+        <p:blipFill>
+          <a:blip r:embed="rId3" cstate="print"/>
+          <a:srcRect/>
+          <a:stretch>
+            <a:fillRect/>
+          </a:stretch>
+        </p:blipFill>
+        <p:spPr bwMode="auto">
+          <a:xfrm>
+            <a:off x="2971800" y="4495800"/>
+            <a:ext cx="947738" cy="847725"/>
+          </a:xfrm>
+          <a:prstGeom prst="rect">
+            <a:avLst/>
+          </a:prstGeom>
+          <a:noFill/>
+          <a:ln w="9525">
+            <a:noFill/>
+            <a:miter lim="800000"/>
+            <a:headEnd/>
+            <a:tailEnd/>
+          </a:ln>
+        </p:spPr>
+      </p:pic>
+      <p:pic>
+        <p:nvPicPr>
+          <p:cNvPr id="38924" name="Picture 6" descr="AN02479_"/>
+          <p:cNvPicPr>
+            <a:picLocks noChangeAspect="1" noChangeArrowheads="1"/>
+          </p:cNvPicPr>
+          <p:nvPr/>
+        </p:nvPicPr>
+        <p:blipFill>
+          <a:blip r:embed="rId3" cstate="print"/>
+          <a:srcRect/>
+          <a:stretch>
+            <a:fillRect/>
+          </a:stretch>
+        </p:blipFill>
+        <p:spPr bwMode="auto">
+          <a:xfrm>
+            <a:off x="3886200" y="4495800"/>
+            <a:ext cx="947738" cy="847725"/>
+          </a:xfrm>
+          <a:prstGeom prst="rect">
+            <a:avLst/>
+          </a:prstGeom>
+          <a:noFill/>
+          <a:ln w="9525">
+            <a:noFill/>
+            <a:miter lim="800000"/>
+            <a:headEnd/>
+            <a:tailEnd/>
+          </a:ln>
+        </p:spPr>
+      </p:pic>
+      <p:pic>
+        <p:nvPicPr>
+          <p:cNvPr id="38925" name="Picture 7" descr="AN02479_"/>
+          <p:cNvPicPr>
+            <a:picLocks noChangeAspect="1" noChangeArrowheads="1"/>
+          </p:cNvPicPr>
+          <p:nvPr/>
+        </p:nvPicPr>
+        <p:blipFill>
+          <a:blip r:embed="rId3" cstate="print"/>
+          <a:srcRect/>
+          <a:stretch>
+            <a:fillRect/>
+          </a:stretch>
+        </p:blipFill>
+        <p:spPr bwMode="auto">
+          <a:xfrm>
+            <a:off x="5715000" y="4495800"/>
+            <a:ext cx="947738" cy="847725"/>
+          </a:xfrm>
+          <a:prstGeom prst="rect">
+            <a:avLst/>
+          </a:prstGeom>
+          <a:noFill/>
+          <a:ln w="9525">
+            <a:noFill/>
+            <a:miter lim="800000"/>
+            <a:headEnd/>
+            <a:tailEnd/>
+          </a:ln>
+        </p:spPr>
+      </p:pic>
+      <p:sp>
+        <p:nvSpPr>
+          <p:cNvPr id="38926" name="Text Box 8"/>
+          <p:cNvSpPr txBox="1">
+            <a:spLocks noChangeArrowheads="1"/>
+          </p:cNvSpPr>
+          <p:nvPr/>
+        </p:nvSpPr>
+        <p:spPr bwMode="auto">
+          <a:xfrm>
+            <a:off x="4800600" y="4495800"/>
+            <a:ext cx="869950" cy="914400"/>
+          </a:xfrm>
+          <a:prstGeom prst="rect">
+            <a:avLst/>
+          </a:prstGeom>
+          <a:noFill/>
+          <a:ln w="9525">
+            <a:noFill/>
+            <a:miter lim="800000"/>
+            <a:headEnd/>
+            <a:tailEnd type="none" w="lg" len="lg"/>
+          </a:ln>
+        </p:spPr>
+        <p:txBody>
+          <a:bodyPr wrap="none">
+            <a:spAutoFit/>
+          </a:bodyPr>
+          <a:lstStyle/>
+          <a:p>
+            <a:r>
+              <a:rPr lang="en-US" sz="5400">
+                <a:latin typeface="Times New Roman" pitchFamily="18" charset="0"/>
+              </a:rPr>
+              <a:t>…</a:t>
+            </a:r>
+          </a:p>
+        </p:txBody>
+      </p:sp>
+      <p:pic>
+        <p:nvPicPr>
+          <p:cNvPr id="38927" name="Picture 9" descr="AN02479_"/>
+          <p:cNvPicPr>
+            <a:picLocks noChangeAspect="1" noChangeArrowheads="1"/>
+          </p:cNvPicPr>
+          <p:nvPr/>
+        </p:nvPicPr>
+        <p:blipFill>
+          <a:blip r:embed="rId3" cstate="print"/>
+          <a:srcRect/>
+          <a:stretch>
+            <a:fillRect/>
+          </a:stretch>
+        </p:blipFill>
+        <p:spPr bwMode="auto">
+          <a:xfrm>
+            <a:off x="1981200" y="4495800"/>
+            <a:ext cx="947738" cy="847725"/>
+          </a:xfrm>
+          <a:prstGeom prst="rect">
+            <a:avLst/>
+          </a:prstGeom>
+          <a:noFill/>
+          <a:ln w="9525">
+            <a:noFill/>
+            <a:miter lim="800000"/>
+            <a:headEnd/>
+            <a:tailEnd/>
+          </a:ln>
+        </p:spPr>
+      </p:pic>
+      <p:pic>
+        <p:nvPicPr>
+          <p:cNvPr id="38928" name="Picture 10" descr="AN02479_"/>
+          <p:cNvPicPr>
+            <a:picLocks noChangeAspect="1" noChangeArrowheads="1"/>
+          </p:cNvPicPr>
+          <p:nvPr/>
+        </p:nvPicPr>
+        <p:blipFill>
+          <a:blip r:embed="rId3" cstate="print"/>
+          <a:srcRect/>
+          <a:stretch>
+            <a:fillRect/>
+          </a:stretch>
+        </p:blipFill>
+        <p:spPr bwMode="auto">
+          <a:xfrm>
+            <a:off x="6705600" y="4495800"/>
+            <a:ext cx="947738" cy="847725"/>
+          </a:xfrm>
+          <a:prstGeom prst="rect">
+            <a:avLst/>
+          </a:prstGeom>
+          <a:noFill/>
+          <a:ln w="9525">
+            <a:noFill/>
+            <a:miter lim="800000"/>
+            <a:headEnd/>
+            <a:tailEnd/>
+          </a:ln>
+        </p:spPr>
+      </p:pic>
+      <p:grpSp>
+        <p:nvGrpSpPr>
+          <p:cNvPr id="3" name="Group 11"/>
+          <p:cNvGrpSpPr>
+            <a:grpSpLocks/>
+          </p:cNvGrpSpPr>
+          <p:nvPr/>
+        </p:nvGrpSpPr>
+        <p:grpSpPr bwMode="auto">
+          <a:xfrm>
+            <a:off x="887413" y="5486404"/>
+            <a:ext cx="7904161" cy="752476"/>
+            <a:chOff x="559" y="3456"/>
+            <a:chExt cx="4979" cy="474"/>
+          </a:xfrm>
+        </p:grpSpPr>
+        <p:sp>
+          <p:nvSpPr>
+            <p:cNvPr id="38918" name="Text Box 12"/>
+            <p:cNvSpPr txBox="1">
+              <a:spLocks noChangeArrowheads="1"/>
+            </p:cNvSpPr>
+            <p:nvPr/>
+          </p:nvSpPr>
+          <p:spPr bwMode="auto">
+            <a:xfrm>
+              <a:off x="559" y="3600"/>
+              <a:ext cx="4979" cy="330"/>
+            </a:xfrm>
+            <a:prstGeom prst="rect">
+              <a:avLst/>
+            </a:prstGeom>
+            <a:noFill/>
+            <a:ln w="9525">
+              <a:noFill/>
+              <a:miter lim="800000"/>
+              <a:headEnd/>
+              <a:tailEnd type="none" w="lg" len="lg"/>
+            </a:ln>
+          </p:spPr>
+          <p:txBody>
+            <a:bodyPr wrap="none">
+              <a:spAutoFit/>
+            </a:bodyPr>
+            <a:lstStyle/>
+            <a:p>
+              <a:r>
+                <a:rPr lang="en-US" sz="2800" dirty="0">
+                  <a:solidFill>
+                    <a:srgbClr val="0000FF"/>
+                  </a:solidFill>
+                  <a:latin typeface="Comic Sans MS" pitchFamily="66" charset="0"/>
+                </a:rPr>
+                <a:t>t</a:t>
+              </a:r>
+              <a:r>
+                <a:rPr lang="en-US" sz="2800" dirty="0" smtClean="0">
+                  <a:solidFill>
+                    <a:srgbClr val="0000FF"/>
+                  </a:solidFill>
+                  <a:latin typeface="Comic Sans MS" pitchFamily="66" charset="0"/>
+                </a:rPr>
+                <a:t>herefore </a:t>
+              </a:r>
+              <a:r>
+                <a:rPr lang="en-US" sz="2800" dirty="0">
+                  <a:solidFill>
+                    <a:srgbClr val="0000FF"/>
+                  </a:solidFill>
+                  <a:latin typeface="Comic Sans MS" pitchFamily="66" charset="0"/>
+                </a:rPr>
+                <a:t>the set of </a:t>
+              </a:r>
+              <a:r>
+                <a:rPr lang="en-US" sz="2800" dirty="0">
+                  <a:solidFill>
+                    <a:srgbClr val="029C27"/>
+                  </a:solidFill>
+                  <a:latin typeface="Comic Sans MS" pitchFamily="66" charset="0"/>
+                </a:rPr>
+                <a:t>n+1</a:t>
+              </a:r>
+              <a:r>
+                <a:rPr lang="en-US" sz="2800" dirty="0">
+                  <a:solidFill>
+                    <a:srgbClr val="0000FF"/>
+                  </a:solidFill>
+                  <a:latin typeface="Comic Sans MS" pitchFamily="66" charset="0"/>
+                </a:rPr>
+                <a:t> have the same color!</a:t>
+              </a:r>
+            </a:p>
+          </p:txBody>
+        </p:sp>
+        <p:sp>
+          <p:nvSpPr>
+            <p:cNvPr id="38919" name="Line 13"/>
+            <p:cNvSpPr>
+              <a:spLocks noChangeShapeType="1"/>
+            </p:cNvSpPr>
+            <p:nvPr/>
+          </p:nvSpPr>
+          <p:spPr bwMode="auto">
+            <a:xfrm>
+              <a:off x="672" y="3552"/>
+              <a:ext cx="3984" cy="0"/>
+            </a:xfrm>
+            <a:prstGeom prst="line">
+              <a:avLst/>
+            </a:prstGeom>
+            <a:noFill/>
+            <a:ln w="9525">
+              <a:solidFill>
+                <a:schemeClr val="tx1"/>
+              </a:solidFill>
+              <a:round/>
+              <a:headEnd/>
+              <a:tailEnd type="none" w="lg" len="lg"/>
+            </a:ln>
+          </p:spPr>
+          <p:txBody>
+            <a:bodyPr/>
+            <a:lstStyle/>
+            <a:p>
+              <a:endParaRPr lang="en-US"/>
+            </a:p>
+          </p:txBody>
+        </p:sp>
+        <p:sp>
+          <p:nvSpPr>
+            <p:cNvPr id="38920" name="Line 14"/>
+            <p:cNvSpPr>
+              <a:spLocks noChangeShapeType="1"/>
+            </p:cNvSpPr>
+            <p:nvPr/>
+          </p:nvSpPr>
+          <p:spPr bwMode="auto">
+            <a:xfrm>
+              <a:off x="4656" y="3456"/>
+              <a:ext cx="0" cy="192"/>
+            </a:xfrm>
+            <a:prstGeom prst="line">
+              <a:avLst/>
+            </a:prstGeom>
+            <a:noFill/>
+            <a:ln w="9525">
+              <a:solidFill>
+                <a:schemeClr val="tx1"/>
+              </a:solidFill>
+              <a:round/>
+              <a:headEnd/>
+              <a:tailEnd type="none" w="lg" len="lg"/>
+            </a:ln>
+          </p:spPr>
+          <p:txBody>
+            <a:bodyPr/>
+            <a:lstStyle/>
+            <a:p>
+              <a:endParaRPr lang="en-US"/>
+            </a:p>
+          </p:txBody>
+        </p:sp>
+        <p:sp>
+          <p:nvSpPr>
+            <p:cNvPr id="38921" name="Line 15"/>
+            <p:cNvSpPr>
+              <a:spLocks noChangeShapeType="1"/>
+            </p:cNvSpPr>
+            <p:nvPr/>
+          </p:nvSpPr>
+          <p:spPr bwMode="auto">
+            <a:xfrm>
+              <a:off x="672" y="3456"/>
+              <a:ext cx="0" cy="192"/>
+            </a:xfrm>
+            <a:prstGeom prst="line">
+              <a:avLst/>
+            </a:prstGeom>
+            <a:noFill/>
+            <a:ln w="9525">
+              <a:solidFill>
+                <a:schemeClr val="tx1"/>
+              </a:solidFill>
+              <a:round/>
+              <a:headEnd/>
+              <a:tailEnd type="none" w="lg" len="lg"/>
+            </a:ln>
+          </p:spPr>
+          <p:txBody>
+            <a:bodyPr/>
+            <a:lstStyle/>
+            <a:p>
+              <a:endParaRPr lang="en-US"/>
+            </a:p>
+          </p:txBody>
+        </p:sp>
+      </p:grpSp>
+      <p:sp>
+        <p:nvSpPr>
+          <p:cNvPr id="17" name="Text Box 3"/>
+          <p:cNvSpPr txBox="1">
+            <a:spLocks noChangeArrowheads="1"/>
+          </p:cNvSpPr>
+          <p:nvPr/>
+        </p:nvSpPr>
+        <p:spPr bwMode="auto">
+          <a:xfrm>
+            <a:off x="685800" y="1631950"/>
+            <a:ext cx="7989688" cy="1384995"/>
+          </a:xfrm>
+          <a:prstGeom prst="rect">
+            <a:avLst/>
+          </a:prstGeom>
+          <a:noFill/>
+          <a:ln w="9525">
+            <a:noFill/>
+            <a:miter lim="800000"/>
+            <a:headEnd/>
+            <a:tailEnd type="none" w="lg" len="lg"/>
+          </a:ln>
+        </p:spPr>
+        <p:txBody>
+          <a:bodyPr wrap="none">
+            <a:spAutoFit/>
+          </a:bodyPr>
+          <a:lstStyle/>
+          <a:p>
+            <a:r>
+              <a:rPr lang="en-US" sz="2800" dirty="0">
+                <a:latin typeface="Comic Sans MS" pitchFamily="66" charset="0"/>
+              </a:rPr>
+              <a:t>(Inductive case) </a:t>
+            </a:r>
+          </a:p>
+          <a:p>
+            <a:r>
+              <a:rPr lang="en-US" sz="2800" dirty="0">
+                <a:latin typeface="Comic Sans MS" pitchFamily="66" charset="0"/>
+              </a:rPr>
+              <a:t>Assume any </a:t>
+            </a:r>
+            <a:r>
+              <a:rPr lang="en-US" sz="2800" dirty="0">
+                <a:solidFill>
+                  <a:srgbClr val="029C27"/>
+                </a:solidFill>
+                <a:latin typeface="Comic Sans MS" pitchFamily="66" charset="0"/>
+              </a:rPr>
+              <a:t>n</a:t>
+            </a:r>
+            <a:r>
+              <a:rPr lang="en-US" sz="2800" dirty="0">
+                <a:latin typeface="Comic Sans MS" pitchFamily="66" charset="0"/>
+              </a:rPr>
+              <a:t> horses have the same color.</a:t>
+            </a:r>
+          </a:p>
+          <a:p>
+            <a:r>
+              <a:rPr lang="en-US" sz="2800" dirty="0">
+                <a:latin typeface="Comic Sans MS" pitchFamily="66" charset="0"/>
+              </a:rPr>
+              <a:t>Prove that any </a:t>
+            </a:r>
+            <a:r>
+              <a:rPr lang="en-US" sz="2800" dirty="0">
+                <a:solidFill>
+                  <a:srgbClr val="029C27"/>
+                </a:solidFill>
+                <a:latin typeface="Comic Sans MS" pitchFamily="66" charset="0"/>
+              </a:rPr>
+              <a:t>n+1 </a:t>
+            </a:r>
+            <a:r>
+              <a:rPr lang="en-US" sz="2800" dirty="0">
+                <a:latin typeface="Comic Sans MS" pitchFamily="66" charset="0"/>
+              </a:rPr>
+              <a:t>horses have the same color.</a:t>
+            </a:r>
+          </a:p>
+        </p:txBody>
+      </p:sp>
+      <p:sp>
+        <p:nvSpPr>
+          <p:cNvPr id="19" name="Rectangle 2"/>
+          <p:cNvSpPr>
+            <a:spLocks noGrp="1" noChangeArrowheads="1"/>
+          </p:cNvSpPr>
+          <p:nvPr>
+            <p:ph type="title"/>
+          </p:nvPr>
+        </p:nvSpPr>
+        <p:spPr>
+          <a:xfrm>
+            <a:off x="1447800" y="274638"/>
+            <a:ext cx="6400800" cy="1173162"/>
+          </a:xfrm>
+        </p:spPr>
+        <p:txBody>
+          <a:bodyPr/>
+          <a:lstStyle/>
+          <a:p>
+            <a:pPr eaLnBrk="1" hangingPunct="1"/>
+            <a:r>
+              <a:rPr lang="en-US" sz="4800" dirty="0" smtClean="0"/>
+              <a:t>A False Proof</a:t>
+            </a:r>
+          </a:p>
+        </p:txBody>
+      </p:sp>
+      <p:sp>
+        <p:nvSpPr>
+          <p:cNvPr id="18" name="TextBox 17"/>
+          <p:cNvSpPr txBox="1"/>
+          <p:nvPr/>
+        </p:nvSpPr>
+        <p:spPr>
+          <a:xfrm>
+            <a:off x="838200" y="3733800"/>
+            <a:ext cx="3122820" cy="646331"/>
+          </a:xfrm>
+          <a:prstGeom prst="rect">
+            <a:avLst/>
+          </a:prstGeom>
+          <a:noFill/>
+        </p:spPr>
+        <p:txBody>
+          <a:bodyPr wrap="none" rtlCol="0">
+            <a:spAutoFit/>
+          </a:bodyPr>
+          <a:lstStyle/>
+          <a:p>
+            <a:r>
+              <a:rPr lang="en-US" sz="3600" dirty="0" smtClean="0">
+                <a:latin typeface="Comic Sans MS" pitchFamily="66" charset="0"/>
+              </a:rPr>
+              <a:t>so 1</a:t>
+            </a:r>
+            <a:r>
+              <a:rPr lang="en-US" sz="3600" baseline="30000" dirty="0" smtClean="0">
+                <a:latin typeface="Comic Sans MS" pitchFamily="66" charset="0"/>
+              </a:rPr>
+              <a:t>st</a:t>
+            </a:r>
+            <a:r>
+              <a:rPr lang="en-US" sz="3600" dirty="0" smtClean="0">
+                <a:latin typeface="Comic Sans MS" pitchFamily="66" charset="0"/>
+              </a:rPr>
+              <a:t> and last </a:t>
+            </a:r>
+            <a:endParaRPr lang="en-US" sz="3600" dirty="0" smtClean="0">
+              <a:latin typeface="Comic Sans MS" pitchFamily="66" charset="0"/>
+            </a:endParaRPr>
+          </a:p>
+        </p:txBody>
+      </p:sp>
     </p:spTree>
   </p:cSld>
   <p:clrMapOvr>
@@ -34348,7 +35328,7 @@
 </p:sld>
 </file>
 
-<file path=ppt/slides/slide44.xml><?xml version="1.0" encoding="utf-8"?>
+<file path=ppt/slides/slide45.xml><?xml version="1.0" encoding="utf-8"?>
 <p:sld xmlns:a="http://schemas.openxmlformats.org/drawingml/2006/main" xmlns:r="http://schemas.openxmlformats.org/officeDocument/2006/relationships" xmlns:mc="http://schemas.openxmlformats.org/markup-compatibility/2006" xmlns:mv="urn:schemas-microsoft-com:mac:vml" xmlns:p="http://schemas.openxmlformats.org/presentationml/2006/main" mc:Ignorable="mv" mc:PreserveAttributes="mv:*">
   <p:cSld>
     <p:spTree>
@@ -35148,7 +36128,7 @@
         <p:spPr>
           <a:xfrm>
             <a:off x="533400" y="3195697"/>
-            <a:ext cx="7568097" cy="2062103"/>
+            <a:ext cx="6518031" cy="1323439"/>
           </a:xfrm>
           <a:prstGeom prst="rect">
             <a:avLst/>
@@ -35169,11 +36149,8 @@
                 </a:solidFill>
                 <a:latin typeface="Comic Sans MS" pitchFamily="66" charset="0"/>
               </a:rPr>
-              <a:t>          ,  because the two horse</a:t>
-            </a:r>
-          </a:p>
-          <a:p>
-            <a:pPr lvl="0"/>
+              <a:t>          ,</a:t>
+            </a:r>
             <a:r>
               <a:rPr lang="en-US" sz="4000" dirty="0" smtClean="0">
                 <a:solidFill>
@@ -35181,7 +36158,19 @@
                 </a:solidFill>
                 <a:latin typeface="Comic Sans MS" pitchFamily="66" charset="0"/>
               </a:rPr>
-              <a:t>groups </a:t>
+              <a:t> because there are</a:t>
+            </a:r>
+          </a:p>
+          <a:p>
+            <a:pPr lvl="0"/>
+            <a:r>
+              <a:rPr lang="en-US" sz="4000" dirty="0" smtClean="0">
+                <a:solidFill>
+                  <a:prstClr val="black"/>
+                </a:solidFill>
+                <a:latin typeface="Comic Sans MS" pitchFamily="66" charset="0"/>
+              </a:rPr>
+              <a:t>       </a:t>
             </a:r>
             <a:r>
               <a:rPr lang="en-US" sz="4000" dirty="0" smtClean="0">
@@ -35190,25 +36179,133 @@
                 </a:solidFill>
                 <a:latin typeface="Comic Sans MS" pitchFamily="66" charset="0"/>
               </a:rPr>
-              <a:t>do not overlap</a:t>
+              <a:t>no </a:t>
             </a:r>
             <a:r>
               <a:rPr lang="en-US" sz="4000" dirty="0" smtClean="0">
                 <a:solidFill>
-                  <a:prstClr val="black"/>
+                  <a:srgbClr val="FF0000"/>
                 </a:solidFill>
                 <a:latin typeface="Comic Sans MS" pitchFamily="66" charset="0"/>
               </a:rPr>
-              <a:t>.</a:t>
-            </a:r>
-          </a:p>
-          <a:p>
+              <a:t>“middle”</a:t>
+            </a:r>
+            <a:r>
+              <a:rPr lang="en-US" sz="4000" dirty="0" smtClean="0">
+                <a:solidFill>
+                  <a:srgbClr val="FF0000"/>
+                </a:solidFill>
+                <a:latin typeface="Comic Sans MS" pitchFamily="66" charset="0"/>
+              </a:rPr>
+              <a:t> horses!</a:t>
+            </a:r>
             <a:endParaRPr lang="en-US" sz="4800" dirty="0" smtClean="0">
+              <a:solidFill>
+                <a:srgbClr val="FF0000"/>
+              </a:solidFill>
               <a:latin typeface="Comic Sans MS" pitchFamily="66" charset="0"/>
             </a:endParaRPr>
           </a:p>
         </p:txBody>
       </p:sp>
+      <p:grpSp>
+        <p:nvGrpSpPr>
+          <p:cNvPr id="24" name="Group 23"/>
+          <p:cNvGrpSpPr/>
+          <p:nvPr/>
+        </p:nvGrpSpPr>
+        <p:grpSpPr>
+          <a:xfrm>
+            <a:off x="2819400" y="5105400"/>
+            <a:ext cx="3962400" cy="990600"/>
+            <a:chOff x="2819400" y="5105400"/>
+            <a:chExt cx="3962400" cy="990600"/>
+          </a:xfrm>
+        </p:grpSpPr>
+        <p:sp>
+          <p:nvSpPr>
+            <p:cNvPr id="22" name="Rounded Rectangle 21"/>
+            <p:cNvSpPr/>
+            <p:nvPr/>
+          </p:nvSpPr>
+          <p:spPr>
+            <a:xfrm>
+              <a:off x="2819400" y="5105400"/>
+              <a:ext cx="3962400" cy="990600"/>
+            </a:xfrm>
+            <a:prstGeom prst="roundRect">
+              <a:avLst/>
+            </a:prstGeom>
+            <a:solidFill>
+              <a:srgbClr val="FF0000">
+                <a:alpha val="40000"/>
+              </a:srgbClr>
+            </a:solidFill>
+          </p:spPr>
+          <p:style>
+            <a:lnRef idx="1">
+              <a:schemeClr val="accent1"/>
+            </a:lnRef>
+            <a:fillRef idx="3">
+              <a:schemeClr val="accent1"/>
+            </a:fillRef>
+            <a:effectRef idx="2">
+              <a:schemeClr val="accent1"/>
+            </a:effectRef>
+            <a:fontRef idx="minor">
+              <a:schemeClr val="lt1"/>
+            </a:fontRef>
+          </p:style>
+          <p:txBody>
+            <a:bodyPr rtlCol="0" anchor="ctr"/>
+            <a:lstStyle/>
+            <a:p>
+              <a:pPr algn="ctr"/>
+              <a:endParaRPr lang="en-US"/>
+            </a:p>
+          </p:txBody>
+        </p:sp>
+        <p:sp>
+          <p:nvSpPr>
+            <p:cNvPr id="23" name="TextBox 22"/>
+            <p:cNvSpPr txBox="1"/>
+            <p:nvPr/>
+          </p:nvSpPr>
+          <p:spPr>
+            <a:xfrm>
+              <a:off x="3733800" y="5257800"/>
+              <a:ext cx="2012290" cy="584776"/>
+            </a:xfrm>
+            <a:prstGeom prst="rect">
+              <a:avLst/>
+            </a:prstGeom>
+            <a:noFill/>
+          </p:spPr>
+          <p:txBody>
+            <a:bodyPr wrap="none" rtlCol="0">
+              <a:spAutoFit/>
+            </a:bodyPr>
+            <a:lstStyle/>
+            <a:p>
+              <a:r>
+                <a:rPr lang="en-US" sz="3200" dirty="0" smtClean="0">
+                  <a:solidFill>
+                    <a:srgbClr val="FF0000"/>
+                  </a:solidFill>
+                  <a:latin typeface="Comic Sans MS" pitchFamily="66" charset="0"/>
+                </a:rPr>
+                <a:t>no horses</a:t>
+              </a:r>
+              <a:endParaRPr lang="en-US" sz="3200" dirty="0" smtClean="0">
+                <a:solidFill>
+                  <a:srgbClr val="FF0000"/>
+                </a:solidFill>
+                <a:latin typeface="Comic Sans MS" pitchFamily="66" charset="0"/>
+              </a:endParaRPr>
+            </a:p>
+          </p:txBody>
+        </p:sp>
+      </p:grpSp>
     </p:spTree>
   </p:cSld>
   <p:clrMapOvr>
@@ -35342,7 +36439,7 @@
                             </p:stCondLst>
                             <p:childTnLst>
                               <p:par>
-                                <p:cTn id="13" presetID="10" presetClass="entr" presetSubtype="0" fill="hold" nodeType="clickEffect">
+                                <p:cTn id="13" presetID="10" presetClass="entr" presetSubtype="0" fill="hold" grpId="0" nodeType="clickEffect">
                                   <p:stCondLst>
                                     <p:cond delay="0"/>
                                   </p:stCondLst>
@@ -35384,15 +36481,24 @@
                                   </p:childTnLst>
                                 </p:cTn>
                               </p:par>
+                            </p:childTnLst>
+                          </p:cTn>
+                        </p:par>
+                        <p:par>
+                          <p:cTn id="16" fill="hold">
+                            <p:stCondLst>
+                              <p:cond delay="500"/>
+                            </p:stCondLst>
+                            <p:childTnLst>
                               <p:par>
-                                <p:cTn id="16" presetID="10" presetClass="entr" presetSubtype="0" fill="hold" nodeType="withEffect">
+                                <p:cTn id="17" presetID="10" presetClass="entr" presetSubtype="0" fill="hold" grpId="0" nodeType="afterEffect">
                                   <p:stCondLst>
                                     <p:cond delay="0"/>
                                   </p:stCondLst>
                                   <p:childTnLst>
                                     <p:set>
                                       <p:cBhvr>
-                                        <p:cTn id="17" dur="1" fill="hold">
+                                        <p:cTn id="18" dur="1" fill="hold">
                                           <p:stCondLst>
                                             <p:cond delay="0"/>
                                           </p:stCondLst>
@@ -35414,7 +36520,7 @@
                                     </p:set>
                                     <p:animEffect transition="in" filter="fade">
                                       <p:cBhvr>
-                                        <p:cTn id="18" dur="500"/>
+                                        <p:cTn id="19" dur="500"/>
                                         <p:tgtEl>
                                           <p:spTgt spid="20">
                                             <p:txEl>
@@ -35434,26 +36540,26 @@
                     </p:cTn>
                   </p:par>
                   <p:par>
-                    <p:cTn id="19" fill="hold">
+                    <p:cTn id="20" fill="hold">
                       <p:stCondLst>
                         <p:cond delay="indefinite"/>
                       </p:stCondLst>
                       <p:childTnLst>
                         <p:par>
-                          <p:cTn id="20" fill="hold">
+                          <p:cTn id="21" fill="hold">
                             <p:stCondLst>
                               <p:cond delay="0"/>
                             </p:stCondLst>
                             <p:childTnLst>
                               <p:par>
-                                <p:cTn id="21" presetID="22" presetClass="entr" presetSubtype="8" fill="hold" nodeType="clickEffect">
+                                <p:cTn id="22" presetID="22" presetClass="entr" presetSubtype="8" fill="hold" nodeType="clickEffect">
                                   <p:stCondLst>
                                     <p:cond delay="0"/>
                                   </p:stCondLst>
                                   <p:childTnLst>
                                     <p:set>
                                       <p:cBhvr>
-                                        <p:cTn id="22" dur="1" fill="hold">
+                                        <p:cTn id="23" dur="1" fill="hold">
                                           <p:stCondLst>
                                             <p:cond delay="0"/>
                                           </p:stCondLst>
@@ -35471,7 +36577,7 @@
                                     </p:set>
                                     <p:animEffect transition="in" filter="wipe(left)">
                                       <p:cBhvr>
-                                        <p:cTn id="23" dur="500"/>
+                                        <p:cTn id="24" dur="500"/>
                                         <p:tgtEl>
                                           <p:spTgt spid="2"/>
                                         </p:tgtEl>
@@ -35483,23 +36589,14 @@
                             </p:childTnLst>
                           </p:cTn>
                         </p:par>
-                      </p:childTnLst>
-                    </p:cTn>
-                  </p:par>
-                  <p:par>
-                    <p:cTn id="24" fill="hold">
-                      <p:stCondLst>
-                        <p:cond delay="indefinite"/>
-                      </p:stCondLst>
-                      <p:childTnLst>
                         <p:par>
                           <p:cTn id="25" fill="hold">
                             <p:stCondLst>
-                              <p:cond delay="0"/>
+                              <p:cond delay="500"/>
                             </p:stCondLst>
                             <p:childTnLst>
                               <p:par>
-                                <p:cTn id="26" presetID="22" presetClass="entr" presetSubtype="2" fill="hold" nodeType="clickEffect">
+                                <p:cTn id="26" presetID="22" presetClass="entr" presetSubtype="2" fill="hold" nodeType="afterEffect">
                                   <p:stCondLst>
                                     <p:cond delay="0"/>
                                   </p:stCondLst>
@@ -35536,6 +36633,123 @@
                             </p:childTnLst>
                           </p:cTn>
                         </p:par>
+                        <p:par>
+                          <p:cTn id="29" fill="hold">
+                            <p:stCondLst>
+                              <p:cond delay="1000"/>
+                            </p:stCondLst>
+                            <p:childTnLst>
+                              <p:par>
+                                <p:cTn id="30" presetID="37" presetClass="entr" presetSubtype="0" fill="hold" nodeType="afterEffect">
+                                  <p:stCondLst>
+                                    <p:cond delay="0"/>
+                                  </p:stCondLst>
+                                  <p:childTnLst>
+                                    <p:set>
+                                      <p:cBhvr>
+                                        <p:cTn id="31" dur="1" fill="hold">
+                                          <p:stCondLst>
+                                            <p:cond delay="0"/>
+                                          </p:stCondLst>
+                                        </p:cTn>
+                                        <p:tgtEl>
+                                          <p:spTgt spid="24"/>
+                                        </p:tgtEl>
+                                        <p:attrNameLst>
+                                          <p:attrName>style.visibility</p:attrName>
+                                        </p:attrNameLst>
+                                      </p:cBhvr>
+                                      <p:to>
+                                        <p:strVal val="visible"/>
+                                      </p:to>
+                                    </p:set>
+                                    <p:animEffect transition="in" filter="fade">
+                                      <p:cBhvr>
+                                        <p:cTn id="32" dur="500"/>
+                                        <p:tgtEl>
+                                          <p:spTgt spid="24"/>
+                                        </p:tgtEl>
+                                      </p:cBhvr>
+                                    </p:animEffect>
+                                    <p:anim calcmode="lin" valueType="num">
+                                      <p:cBhvr>
+                                        <p:cTn id="33" dur="500" fill="hold"/>
+                                        <p:tgtEl>
+                                          <p:spTgt spid="24"/>
+                                        </p:tgtEl>
+                                        <p:attrNameLst>
+                                          <p:attrName>ppt_x</p:attrName>
+                                        </p:attrNameLst>
+                                      </p:cBhvr>
+                                      <p:tavLst>
+                                        <p:tav tm="0">
+                                          <p:val>
+                                            <p:strVal val="#ppt_x"/>
+                                          </p:val>
+                                        </p:tav>
+                                        <p:tav tm="100000">
+                                          <p:val>
+                                            <p:strVal val="#ppt_x"/>
+                                          </p:val>
+                                        </p:tav>
+                                      </p:tavLst>
+                                    </p:anim>
+                                    <p:anim calcmode="lin" valueType="num">
+                                      <p:cBhvr>
+                                        <p:cTn id="34" dur="450" decel="100000" fill="hold"/>
+                                        <p:tgtEl>
+                                          <p:spTgt spid="24"/>
+                                        </p:tgtEl>
+                                        <p:attrNameLst>
+                                          <p:attrName>ppt_y</p:attrName>
+                                        </p:attrNameLst>
+                                      </p:cBhvr>
+                                      <p:tavLst>
+                                        <p:tav tm="0">
+                                          <p:val>
+                                            <p:strVal val="#ppt_y+1"/>
+                                          </p:val>
+                                        </p:tav>
+                                        <p:tav tm="100000">
+                                          <p:val>
+                                            <p:strVal val="#ppt_y-.03"/>
+                                          </p:val>
+                                        </p:tav>
+                                      </p:tavLst>
+                                    </p:anim>
+                                    <p:anim calcmode="lin" valueType="num">
+                                      <p:cBhvr>
+                                        <p:cTn id="35" dur="50" accel="100000" fill="hold">
+                                          <p:stCondLst>
+                                            <p:cond delay="450"/>
+                                          </p:stCondLst>
+                                        </p:cTn>
+                                        <p:tgtEl>
+                                          <p:spTgt spid="24"/>
+                                        </p:tgtEl>
+                                        <p:attrNameLst>
+                                          <p:attrName>ppt_y</p:attrName>
+                                        </p:attrNameLst>
+                                      </p:cBhvr>
+                                      <p:tavLst>
+                                        <p:tav tm="0">
+                                          <p:val>
+                                            <p:strVal val="#ppt_y-.03"/>
+                                          </p:val>
+                                        </p:tav>
+                                        <p:tav tm="100000">
+                                          <p:val>
+                                            <p:strVal val="#ppt_y"/>
+                                          </p:val>
+                                        </p:tav>
+                                      </p:tavLst>
+                                    </p:anim>
+                                  </p:childTnLst>
+                                </p:cTn>
+                              </p:par>
+                            </p:childTnLst>
+                          </p:cTn>
+                        </p:par>
                       </p:childTnLst>
                     </p:cTn>
                   </p:par>
@@ -35560,11 +36774,14 @@
         </p:cTn>
       </p:par>
     </p:tnLst>
+    <p:bldLst>
+      <p:bldP spid="20" grpId="0" build="p"/>
+    </p:bldLst>
   </p:timing>
 </p:sld>
 </file>
 
-<file path=ppt/slides/slide45.xml><?xml version="1.0" encoding="utf-8"?>
+<file path=ppt/slides/slide46.xml><?xml version="1.0" encoding="utf-8"?>
 <p:sld xmlns:a="http://schemas.openxmlformats.org/drawingml/2006/main" xmlns:r="http://schemas.openxmlformats.org/officeDocument/2006/relationships" xmlns:mc="http://schemas.openxmlformats.org/markup-compatibility/2006" xmlns:mv="urn:schemas-microsoft-com:mac:vml" xmlns:p="http://schemas.openxmlformats.org/presentationml/2006/main" mc:Ignorable="mv" mc:PreserveAttributes="mv:*">
   <p:cSld>
     <p:spTree>
@@ -35799,76 +37016,6 @@
       </p:sp>
       <p:sp>
         <p:nvSpPr>
-          <p:cNvPr id="20" name="TextBox 19"/>
-          <p:cNvSpPr txBox="1"/>
-          <p:nvPr/>
-        </p:nvSpPr>
-        <p:spPr>
-          <a:xfrm>
-            <a:off x="533400" y="3195697"/>
-            <a:ext cx="7568097" cy="2062103"/>
-          </a:xfrm>
-          <a:prstGeom prst="rect">
-            <a:avLst/>
-          </a:prstGeom>
-          <a:noFill/>
-        </p:spPr>
-        <p:txBody>
-          <a:bodyPr wrap="none" rtlCol="0">
-            <a:spAutoFit/>
-          </a:bodyPr>
-          <a:lstStyle/>
-          <a:p>
-            <a:pPr lvl="0"/>
-            <a:r>
-              <a:rPr lang="en-US" sz="4000" dirty="0" smtClean="0">
-                <a:solidFill>
-                  <a:prstClr val="black"/>
-                </a:solidFill>
-                <a:latin typeface="Comic Sans MS" pitchFamily="66" charset="0"/>
-              </a:rPr>
-              <a:t>          ,  because the two horse</a:t>
-            </a:r>
-          </a:p>
-          <a:p>
-            <a:pPr lvl="0"/>
-            <a:r>
-              <a:rPr lang="en-US" sz="4000" dirty="0" smtClean="0">
-                <a:solidFill>
-                  <a:prstClr val="black"/>
-                </a:solidFill>
-                <a:latin typeface="Comic Sans MS" pitchFamily="66" charset="0"/>
-              </a:rPr>
-              <a:t>groups </a:t>
-            </a:r>
-            <a:r>
-              <a:rPr lang="en-US" sz="4000" dirty="0" smtClean="0">
-                <a:solidFill>
-                  <a:srgbClr val="FF0000"/>
-                </a:solidFill>
-                <a:latin typeface="Comic Sans MS" pitchFamily="66" charset="0"/>
-              </a:rPr>
-              <a:t>do not overlap</a:t>
-            </a:r>
-            <a:r>
-              <a:rPr lang="en-US" sz="4000" dirty="0" smtClean="0">
-                <a:solidFill>
-                  <a:prstClr val="black"/>
-                </a:solidFill>
-                <a:latin typeface="Comic Sans MS" pitchFamily="66" charset="0"/>
-              </a:rPr>
-              <a:t>.</a:t>
-            </a:r>
-          </a:p>
-          <a:p>
-            <a:endParaRPr lang="en-US" sz="4800" dirty="0" smtClean="0">
-              <a:latin typeface="Comic Sans MS" pitchFamily="66" charset="0"/>
-            </a:endParaRPr>
-          </a:p>
-        </p:txBody>
-      </p:sp>
-      <p:sp>
-        <p:nvSpPr>
           <p:cNvPr id="22" name="Text Box 3"/>
           <p:cNvSpPr txBox="1">
             <a:spLocks noChangeArrowheads="1"/>
@@ -35938,6 +37085,146 @@
             <a:endParaRPr lang="en-US" sz="4000" dirty="0">
               <a:solidFill>
                 <a:srgbClr val="009900"/>
+              </a:solidFill>
+              <a:latin typeface="Comic Sans MS" pitchFamily="66" charset="0"/>
+            </a:endParaRPr>
+          </a:p>
+        </p:txBody>
+      </p:sp>
+      <p:sp>
+        <p:nvSpPr>
+          <p:cNvPr id="6" name="TextBox 5"/>
+          <p:cNvSpPr txBox="1"/>
+          <p:nvPr/>
+        </p:nvSpPr>
+        <p:spPr>
+          <a:xfrm>
+            <a:off x="533400" y="3195697"/>
+            <a:ext cx="6518031" cy="1323439"/>
+          </a:xfrm>
+          <a:prstGeom prst="rect">
+            <a:avLst/>
+          </a:prstGeom>
+          <a:noFill/>
+        </p:spPr>
+        <p:txBody>
+          <a:bodyPr wrap="none" rtlCol="0">
+            <a:spAutoFit/>
+          </a:bodyPr>
+          <a:lstStyle/>
+          <a:p>
+            <a:pPr lvl="0"/>
+            <a:r>
+              <a:rPr lang="en-US" sz="4000" dirty="0" smtClean="0">
+                <a:solidFill>
+                  <a:prstClr val="black"/>
+                </a:solidFill>
+                <a:latin typeface="Comic Sans MS" pitchFamily="66" charset="0"/>
+              </a:rPr>
+              <a:t>          ,</a:t>
+            </a:r>
+            <a:r>
+              <a:rPr lang="en-US" sz="4000" dirty="0" smtClean="0">
+                <a:solidFill>
+                  <a:prstClr val="black"/>
+                </a:solidFill>
+                <a:latin typeface="Comic Sans MS" pitchFamily="66" charset="0"/>
+              </a:rPr>
+              <a:t> because there are</a:t>
+            </a:r>
+          </a:p>
+          <a:p>
+            <a:pPr lvl="0"/>
+            <a:r>
+              <a:rPr lang="en-US" sz="4000" dirty="0" smtClean="0">
+                <a:solidFill>
+                  <a:prstClr val="black"/>
+                </a:solidFill>
+                <a:latin typeface="Comic Sans MS" pitchFamily="66" charset="0"/>
+              </a:rPr>
+              <a:t>       </a:t>
+            </a:r>
+            <a:r>
+              <a:rPr lang="en-US" sz="4000" dirty="0" smtClean="0">
+                <a:solidFill>
+                  <a:srgbClr val="FF0000"/>
+                </a:solidFill>
+                <a:latin typeface="Comic Sans MS" pitchFamily="66" charset="0"/>
+              </a:rPr>
+              <a:t>no </a:t>
+            </a:r>
+            <a:r>
+              <a:rPr lang="en-US" sz="4000" dirty="0" smtClean="0">
+                <a:solidFill>
+                  <a:srgbClr val="FF0000"/>
+                </a:solidFill>
+                <a:latin typeface="Comic Sans MS" pitchFamily="66" charset="0"/>
+              </a:rPr>
+              <a:t>“middle”</a:t>
+            </a:r>
+            <a:r>
+              <a:rPr lang="en-US" sz="4000" dirty="0" smtClean="0">
+                <a:solidFill>
+                  <a:srgbClr val="FF0000"/>
+                </a:solidFill>
+                <a:latin typeface="Comic Sans MS" pitchFamily="66" charset="0"/>
+              </a:rPr>
+              <a:t> horses!</a:t>
+            </a:r>
+            <a:endParaRPr lang="en-US" sz="4800" dirty="0" smtClean="0">
+              <a:solidFill>
+                <a:srgbClr val="FF0000"/>
+              </a:solidFill>
+              <a:latin typeface="Comic Sans MS" pitchFamily="66" charset="0"/>
+            </a:endParaRPr>
+          </a:p>
+        </p:txBody>
+      </p:sp>
+      <p:sp>
+        <p:nvSpPr>
+          <p:cNvPr id="7" name="Text Box 3"/>
+          <p:cNvSpPr txBox="1">
+            <a:spLocks noChangeArrowheads="1"/>
+          </p:cNvSpPr>
+          <p:nvPr/>
+        </p:nvSpPr>
+        <p:spPr bwMode="auto">
+          <a:xfrm>
+            <a:off x="1219200" y="1558925"/>
+            <a:ext cx="4156907" cy="769441"/>
+          </a:xfrm>
+          <a:prstGeom prst="rect">
+            <a:avLst/>
+          </a:prstGeom>
+          <a:noFill/>
+          <a:ln w="9525">
+            <a:noFill/>
+            <a:miter lim="800000"/>
+            <a:headEnd/>
+            <a:tailEnd type="none" w="lg" len="lg"/>
+          </a:ln>
+        </p:spPr>
+        <p:txBody>
+          <a:bodyPr wrap="none">
+            <a:spAutoFit/>
+          </a:bodyPr>
+          <a:lstStyle/>
+          <a:p>
+            <a:r>
+              <a:rPr lang="en-US" sz="4400" dirty="0" smtClean="0">
+                <a:latin typeface="Comic Sans MS" pitchFamily="66" charset="0"/>
+              </a:rPr>
+              <a:t>What’s </a:t>
+            </a:r>
+            <a:r>
+              <a:rPr lang="en-US" sz="4400" dirty="0">
+                <a:latin typeface="Comic Sans MS" pitchFamily="66" charset="0"/>
+              </a:rPr>
+              <a:t>wrong?</a:t>
+            </a:r>
+            <a:endParaRPr lang="en-US" sz="4400" dirty="0">
+              <a:solidFill>
+                <a:schemeClr val="accent2"/>
               </a:solidFill>
               <a:latin typeface="Comic Sans MS" pitchFamily="66" charset="0"/>
             </a:endParaRPr>
@@ -36041,7 +37328,7 @@
 </p:sld>
 </file>
 
-<file path=ppt/slides/slide46.xml><?xml version="1.0" encoding="utf-8"?>
+<file path=ppt/slides/slide47.xml><?xml version="1.0" encoding="utf-8"?>
 <p:sld xmlns:a="http://schemas.openxmlformats.org/drawingml/2006/main" xmlns:r="http://schemas.openxmlformats.org/officeDocument/2006/relationships" xmlns:mc="http://schemas.openxmlformats.org/markup-compatibility/2006" xmlns:mv="urn:schemas-microsoft-com:mac:vml" xmlns:p="http://schemas.openxmlformats.org/presentationml/2006/main" mc:Ignorable="mv" mc:PreserveAttributes="mv:*">
   <p:cSld>
     <p:spTree>
@@ -36613,7 +37900,7 @@
 </p:sld>
 </file>
 
-<file path=ppt/slides/slide47.xml><?xml version="1.0" encoding="utf-8"?>
+<file path=ppt/slides/slide48.xml><?xml version="1.0" encoding="utf-8"?>
 <p:sld xmlns:a="http://schemas.openxmlformats.org/drawingml/2006/main" xmlns:r="http://schemas.openxmlformats.org/officeDocument/2006/relationships" xmlns:mc="http://schemas.openxmlformats.org/markup-compatibility/2006" xmlns:mv="urn:schemas-microsoft-com:mac:vml" xmlns:p="http://schemas.openxmlformats.org/presentationml/2006/main" mc:Ignorable="mv" mc:PreserveAttributes="mv:*">
   <p:cSld>
     <p:spTree>
@@ -37269,7 +38556,7 @@
 </p:sld>
 </file>
 
-<file path=ppt/slides/slide48.xml><?xml version="1.0" encoding="utf-8"?>
+<file path=ppt/slides/slide49.xml><?xml version="1.0" encoding="utf-8"?>
 <p:sld xmlns:a="http://schemas.openxmlformats.org/drawingml/2006/main" xmlns:r="http://schemas.openxmlformats.org/officeDocument/2006/relationships" xmlns:mc="http://schemas.openxmlformats.org/markup-compatibility/2006" xmlns:mv="urn:schemas-microsoft-com:mac:vml" xmlns:p="http://schemas.openxmlformats.org/presentationml/2006/main" mc:Ignorable="mv" mc:PreserveAttributes="mv:*">
   <p:cSld>
     <p:spTree>
@@ -38069,7 +39356,90 @@
 </p:sld>
 </file>
 
-<file path=ppt/slides/slide49.xml><?xml version="1.0" encoding="utf-8"?>
+<file path=ppt/slides/slide5.xml><?xml version="1.0" encoding="utf-8"?>
+<p:sld xmlns:a="http://schemas.openxmlformats.org/drawingml/2006/main" xmlns:r="http://schemas.openxmlformats.org/officeDocument/2006/relationships" xmlns:mc="http://schemas.openxmlformats.org/markup-compatibility/2006" xmlns:mv="urn:schemas-microsoft-com:mac:vml" xmlns:p="http://schemas.openxmlformats.org/presentationml/2006/main" mc:Ignorable="mv" mc:PreserveAttributes="mv:*">
+  <p:cSld>
+    <p:spTree>
+      <p:nvGrpSpPr>
+        <p:cNvPr id="1" name=""/>
+        <p:cNvGrpSpPr/>
+        <p:nvPr/>
+      </p:nvGrpSpPr>
+      <p:grpSpPr>
+        <a:xfrm>
+          <a:off x="0" y="0"/>
+          <a:ext cx="0" cy="0"/>
+          <a:chOff x="0" y="0"/>
+          <a:chExt cx="0" cy="0"/>
+        </a:xfrm>
+      </p:grpSpPr>
+      <p:sp>
+        <p:nvSpPr>
+          <p:cNvPr id="17410" name="Rectangle 5"/>
+          <p:cNvSpPr>
+            <a:spLocks noGrp="1" noChangeArrowheads="1"/>
+          </p:cNvSpPr>
+          <p:nvPr>
+            <p:ph type="title"/>
+          </p:nvPr>
+        </p:nvSpPr>
+        <p:spPr/>
+        <p:txBody>
+          <a:bodyPr/>
+          <a:lstStyle/>
+          <a:p>
+            <a:pPr eaLnBrk="1" hangingPunct="1"/>
+            <a:r>
+              <a:rPr lang="en-US" sz="4800" dirty="0" smtClean="0"/>
+              <a:t>Like Dominos…</a:t>
+            </a:r>
+          </a:p>
+        </p:txBody>
+      </p:sp>
+      <p:pic>
+        <p:nvPicPr>
+          <p:cNvPr id="17411" name="Picture 4" descr="DOMINO2"/>
+          <p:cNvPicPr>
+            <a:picLocks noGrp="1" noChangeAspect="1" noChangeArrowheads="1"/>
+          </p:cNvPicPr>
+          <p:nvPr>
+            <p:ph idx="4294967295"/>
+          </p:nvPr>
+        </p:nvPicPr>
+        <p:blipFill>
+          <a:blip r:embed="rId3" cstate="print"/>
+          <a:srcRect/>
+          <a:stretch>
+            <a:fillRect/>
+          </a:stretch>
+        </p:blipFill>
+        <p:spPr>
+          <a:xfrm>
+            <a:off x="2076450" y="1749425"/>
+            <a:ext cx="4645025" cy="4227513"/>
+          </a:xfrm>
+          <a:noFill/>
+        </p:spPr>
+      </p:pic>
+    </p:spTree>
+  </p:cSld>
+  <p:clrMapOvr>
+    <a:masterClrMapping/>
+  </p:clrMapOvr>
+  <p:transition>
+    <p:fade thruBlk="1"/>
+  </p:transition>
+  <p:timing>
+    <p:tnLst>
+      <p:par>
+        <p:cTn id="1" dur="indefinite" restart="never" nodeType="tmRoot"/>
+      </p:par>
+    </p:tnLst>
+  </p:timing>
+</p:sld>
+</file>
+
+<file path=ppt/slides/slide50.xml><?xml version="1.0" encoding="utf-8"?>
 <p:sld xmlns:a="http://schemas.openxmlformats.org/drawingml/2006/main" xmlns:r="http://schemas.openxmlformats.org/officeDocument/2006/relationships" xmlns:mc="http://schemas.openxmlformats.org/markup-compatibility/2006" xmlns:mv="urn:schemas-microsoft-com:mac:vml" xmlns:p="http://schemas.openxmlformats.org/presentationml/2006/main" mc:Ignorable="mv" mc:PreserveAttributes="mv:*">
   <p:cSld>
     <p:spTree>
@@ -38893,90 +40263,7 @@
 </p:sld>
 </file>
 
-<file path=ppt/slides/slide5.xml><?xml version="1.0" encoding="utf-8"?>
-<p:sld xmlns:a="http://schemas.openxmlformats.org/drawingml/2006/main" xmlns:r="http://schemas.openxmlformats.org/officeDocument/2006/relationships" xmlns:mc="http://schemas.openxmlformats.org/markup-compatibility/2006" xmlns:mv="urn:schemas-microsoft-com:mac:vml" xmlns:p="http://schemas.openxmlformats.org/presentationml/2006/main" mc:Ignorable="mv" mc:PreserveAttributes="mv:*">
-  <p:cSld>
-    <p:spTree>
-      <p:nvGrpSpPr>
-        <p:cNvPr id="1" name=""/>
-        <p:cNvGrpSpPr/>
-        <p:nvPr/>
-      </p:nvGrpSpPr>
-      <p:grpSpPr>
-        <a:xfrm>
-          <a:off x="0" y="0"/>
-          <a:ext cx="0" cy="0"/>
-          <a:chOff x="0" y="0"/>
-          <a:chExt cx="0" cy="0"/>
-        </a:xfrm>
-      </p:grpSpPr>
-      <p:sp>
-        <p:nvSpPr>
-          <p:cNvPr id="17410" name="Rectangle 5"/>
-          <p:cNvSpPr>
-            <a:spLocks noGrp="1" noChangeArrowheads="1"/>
-          </p:cNvSpPr>
-          <p:nvPr>
-            <p:ph type="title"/>
-          </p:nvPr>
-        </p:nvSpPr>
-        <p:spPr/>
-        <p:txBody>
-          <a:bodyPr/>
-          <a:lstStyle/>
-          <a:p>
-            <a:pPr eaLnBrk="1" hangingPunct="1"/>
-            <a:r>
-              <a:rPr lang="en-US" sz="4800" dirty="0" smtClean="0"/>
-              <a:t>Like Dominos…</a:t>
-            </a:r>
-          </a:p>
-        </p:txBody>
-      </p:sp>
-      <p:pic>
-        <p:nvPicPr>
-          <p:cNvPr id="17411" name="Picture 4" descr="DOMINO2"/>
-          <p:cNvPicPr>
-            <a:picLocks noGrp="1" noChangeAspect="1" noChangeArrowheads="1"/>
-          </p:cNvPicPr>
-          <p:nvPr>
-            <p:ph idx="4294967295"/>
-          </p:nvPr>
-        </p:nvPicPr>
-        <p:blipFill>
-          <a:blip r:embed="rId3" cstate="print"/>
-          <a:srcRect/>
-          <a:stretch>
-            <a:fillRect/>
-          </a:stretch>
-        </p:blipFill>
-        <p:spPr>
-          <a:xfrm>
-            <a:off x="2076450" y="1749425"/>
-            <a:ext cx="4645025" cy="4227513"/>
-          </a:xfrm>
-          <a:noFill/>
-        </p:spPr>
-      </p:pic>
-    </p:spTree>
-  </p:cSld>
-  <p:clrMapOvr>
-    <a:masterClrMapping/>
-  </p:clrMapOvr>
-  <p:transition>
-    <p:fade thruBlk="1"/>
-  </p:transition>
-  <p:timing>
-    <p:tnLst>
-      <p:par>
-        <p:cTn id="1" dur="indefinite" restart="never" nodeType="tmRoot"/>
-      </p:par>
-    </p:tnLst>
-  </p:timing>
-</p:sld>
-</file>
-
-<file path=ppt/slides/slide50.xml><?xml version="1.0" encoding="utf-8"?>
+<file path=ppt/slides/slide51.xml><?xml version="1.0" encoding="utf-8"?>
 <p:sld xmlns:a="http://schemas.openxmlformats.org/drawingml/2006/main" xmlns:r="http://schemas.openxmlformats.org/officeDocument/2006/relationships" xmlns:mc="http://schemas.openxmlformats.org/markup-compatibility/2006" xmlns:mv="urn:schemas-microsoft-com:mac:vml" xmlns:p="http://schemas.openxmlformats.org/presentationml/2006/main" mc:Ignorable="mv" mc:PreserveAttributes="mv:*">
   <p:cSld>
     <p:spTree>
@@ -39763,7 +41050,7 @@
 </p:sld>
 </file>
 
-<file path=ppt/slides/slide51.xml><?xml version="1.0" encoding="utf-8"?>
+<file path=ppt/slides/slide52.xml><?xml version="1.0" encoding="utf-8"?>
 <p:sld xmlns:a="http://schemas.openxmlformats.org/drawingml/2006/main" xmlns:r="http://schemas.openxmlformats.org/officeDocument/2006/relationships" xmlns:mc="http://schemas.openxmlformats.org/markup-compatibility/2006" xmlns:mv="urn:schemas-microsoft-com:mac:vml" xmlns:p="http://schemas.openxmlformats.org/presentationml/2006/main" mc:Ignorable="mv" mc:PreserveAttributes="mv:*">
   <p:cSld>
     <p:spTree>
@@ -41457,7 +42744,7 @@
 </p:sld>
 </file>
 
-<file path=ppt/slides/slide52.xml><?xml version="1.0" encoding="utf-8"?>
+<file path=ppt/slides/slide53.xml><?xml version="1.0" encoding="utf-8"?>
 <p:sld xmlns:a="http://schemas.openxmlformats.org/drawingml/2006/main" xmlns:r="http://schemas.openxmlformats.org/officeDocument/2006/relationships" xmlns:mc="http://schemas.openxmlformats.org/markup-compatibility/2006" xmlns:mv="urn:schemas-microsoft-com:mac:vml" xmlns:p="http://schemas.openxmlformats.org/presentationml/2006/main" mc:Ignorable="mv" mc:PreserveAttributes="mv:*">
   <p:cSld>
     <p:spTree>
@@ -42210,7 +43497,7 @@
   <p:clrMapOvr>
     <a:masterClrMapping/>
   </p:clrMapOvr>
-  <p:transition>
+  <p:transition spd="slow">
     <p:fade thruBlk="1"/>
   </p:transition>
   <p:timing>
@@ -42569,7 +43856,7 @@
 </p:sld>
 </file>
 
-<file path=ppt/slides/slide53.xml><?xml version="1.0" encoding="utf-8"?>
+<file path=ppt/slides/slide54.xml><?xml version="1.0" encoding="utf-8"?>
 <p:sld xmlns:a="http://schemas.openxmlformats.org/drawingml/2006/main" xmlns:r="http://schemas.openxmlformats.org/officeDocument/2006/relationships" xmlns:mc="http://schemas.openxmlformats.org/markup-compatibility/2006" xmlns:mv="urn:schemas-microsoft-com:mac:vml" xmlns:p="http://schemas.openxmlformats.org/presentationml/2006/main" mc:Ignorable="mv" mc:PreserveAttributes="mv:*">
   <p:cSld>
     <p:spTree>
@@ -42885,7 +44172,7 @@
 </p:sld>
 </file>
 
-<file path=ppt/slides/slide54.xml><?xml version="1.0" encoding="utf-8"?>
+<file path=ppt/slides/slide55.xml><?xml version="1.0" encoding="utf-8"?>
 <p:sld xmlns:a="http://schemas.openxmlformats.org/drawingml/2006/main" xmlns:r="http://schemas.openxmlformats.org/officeDocument/2006/relationships" xmlns:mc="http://schemas.openxmlformats.org/markup-compatibility/2006" xmlns:mv="urn:schemas-microsoft-com:mac:vml" xmlns:p="http://schemas.openxmlformats.org/presentationml/2006/main" mc:Ignorable="mv" mc:PreserveAttributes="mv:*">
   <p:cSld>
     <p:spTree>
@@ -43173,7 +44460,7 @@
 </p:sld>
 </file>
 
-<file path=ppt/slides/slide55.xml><?xml version="1.0" encoding="utf-8"?>
+<file path=ppt/slides/slide56.xml><?xml version="1.0" encoding="utf-8"?>
 <p:sld xmlns:a="http://schemas.openxmlformats.org/drawingml/2006/main" xmlns:r="http://schemas.openxmlformats.org/officeDocument/2006/relationships" xmlns:mc="http://schemas.openxmlformats.org/markup-compatibility/2006" xmlns:mv="urn:schemas-microsoft-com:mac:vml" xmlns:p="http://schemas.openxmlformats.org/presentationml/2006/main" mc:Ignorable="mv" mc:PreserveAttributes="mv:*">
   <p:cSld>
     <p:spTree>
@@ -43534,7 +44821,7 @@
               <a:pPr>
                 <a:defRPr/>
               </a:pPr>
-              <a:t>55</a:t>
+              <a:t>56</a:t>
             </a:fld>
             <a:endParaRPr lang="en-US" dirty="0"/>
           </a:p>
@@ -43723,7 +45010,7 @@
 </p:sld>
 </file>
 
-<file path=ppt/slides/slide56.xml><?xml version="1.0" encoding="utf-8"?>
+<file path=ppt/slides/slide57.xml><?xml version="1.0" encoding="utf-8"?>
 <p:sld xmlns:a="http://schemas.openxmlformats.org/drawingml/2006/main" xmlns:r="http://schemas.openxmlformats.org/officeDocument/2006/relationships" xmlns:mc="http://schemas.openxmlformats.org/markup-compatibility/2006" xmlns:mv="urn:schemas-microsoft-com:mac:vml" xmlns:p="http://schemas.openxmlformats.org/presentationml/2006/main" mc:Ignorable="mv" mc:PreserveAttributes="mv:*">
   <p:cSld>
     <p:spTree>
@@ -44046,7 +45333,7 @@
 </p:sld>
 </file>
 
-<file path=ppt/slides/slide57.xml><?xml version="1.0" encoding="utf-8"?>
+<file path=ppt/slides/slide58.xml><?xml version="1.0" encoding="utf-8"?>
 <p:sld xmlns:a="http://schemas.openxmlformats.org/drawingml/2006/main" xmlns:r="http://schemas.openxmlformats.org/officeDocument/2006/relationships" xmlns:mc="http://schemas.openxmlformats.org/markup-compatibility/2006" xmlns:mv="urn:schemas-microsoft-com:mac:vml" xmlns:p="http://schemas.openxmlformats.org/presentationml/2006/main" mc:Ignorable="mv" mc:PreserveAttributes="mv:*">
   <p:cSld>
     <p:spTree>
@@ -44450,7 +45737,7 @@
 </p:sld>
 </file>
 
-<file path=ppt/slides/slide58.xml><?xml version="1.0" encoding="utf-8"?>
+<file path=ppt/slides/slide59.xml><?xml version="1.0" encoding="utf-8"?>
 <p:sld xmlns:a="http://schemas.openxmlformats.org/drawingml/2006/main" xmlns:r="http://schemas.openxmlformats.org/officeDocument/2006/relationships" xmlns:mc="http://schemas.openxmlformats.org/markup-compatibility/2006" xmlns:mv="urn:schemas-microsoft-com:mac:vml" xmlns:p="http://schemas.openxmlformats.org/presentationml/2006/main" mc:Ignorable="mv" mc:PreserveAttributes="mv:*">
   <p:cSld>
     <p:spTree>
@@ -45147,310 +46434,6 @@
       <p:bldP spid="15365" grpId="0" build="p"/>
       <p:bldP spid="335880" grpId="0" build="p"/>
     </p:bldLst>
-  </p:timing>
-</p:sld>
-</file>
-
-<file path=ppt/slides/slide59.xml><?xml version="1.0" encoding="utf-8"?>
-<p:sld xmlns:a="http://schemas.openxmlformats.org/drawingml/2006/main" xmlns:r="http://schemas.openxmlformats.org/officeDocument/2006/relationships" xmlns:mc="http://schemas.openxmlformats.org/markup-compatibility/2006" xmlns:mv="urn:schemas-microsoft-com:mac:vml" xmlns:p="http://schemas.openxmlformats.org/presentationml/2006/main" mc:Ignorable="mv" mc:PreserveAttributes="mv:*">
-  <p:cSld>
-    <p:spTree>
-      <p:nvGrpSpPr>
-        <p:cNvPr id="1" name=""/>
-        <p:cNvGrpSpPr/>
-        <p:nvPr/>
-      </p:nvGrpSpPr>
-      <p:grpSpPr>
-        <a:xfrm>
-          <a:off x="0" y="0"/>
-          <a:ext cx="0" cy="0"/>
-          <a:chOff x="0" y="0"/>
-          <a:chExt cx="0" cy="0"/>
-        </a:xfrm>
-      </p:grpSpPr>
-      <p:sp>
-        <p:nvSpPr>
-          <p:cNvPr id="6149" name="Rectangle 2"/>
-          <p:cNvSpPr>
-            <a:spLocks noGrp="1" noChangeArrowheads="1"/>
-          </p:cNvSpPr>
-          <p:nvPr>
-            <p:ph type="title"/>
-          </p:nvPr>
-        </p:nvSpPr>
-        <p:spPr>
-          <a:xfrm>
-            <a:off x="1600200" y="0"/>
-            <a:ext cx="7543800" cy="1143000"/>
-          </a:xfrm>
-        </p:spPr>
-        <p:txBody>
-          <a:bodyPr/>
-          <a:lstStyle/>
-          <a:p>
-            <a:pPr eaLnBrk="1" hangingPunct="1"/>
-            <a:r>
-              <a:rPr lang="en-US" sz="3600" smtClean="0"/>
-              <a:t>Proving the Claim by Induction</a:t>
-            </a:r>
-          </a:p>
-        </p:txBody>
-      </p:sp>
-      <p:sp>
-        <p:nvSpPr>
-          <p:cNvPr id="6150" name="Rectangle 4"/>
-          <p:cNvSpPr>
-            <a:spLocks noChangeArrowheads="1"/>
-          </p:cNvSpPr>
-          <p:nvPr/>
-        </p:nvSpPr>
-        <p:spPr bwMode="auto">
-          <a:xfrm>
-            <a:off x="304800" y="1599081"/>
-            <a:ext cx="8458200" cy="854080"/>
-          </a:xfrm>
-          <a:prstGeom prst="rect">
-            <a:avLst/>
-          </a:prstGeom>
-          <a:noFill/>
-          <a:ln w="9525">
-            <a:noFill/>
-            <a:miter lim="800000"/>
-            <a:headEnd/>
-            <a:tailEnd type="none" w="lg" len="lg"/>
-          </a:ln>
-        </p:spPr>
-        <p:txBody>
-          <a:bodyPr>
-            <a:spAutoFit/>
-          </a:bodyPr>
-          <a:lstStyle/>
-          <a:p>
-            <a:pPr>
-              <a:lnSpc>
-                <a:spcPct val="90000"/>
-              </a:lnSpc>
-              <a:spcBef>
-                <a:spcPct val="20000"/>
-              </a:spcBef>
-            </a:pPr>
-            <a:r>
-              <a:rPr lang="en-US" sz="5400" dirty="0" smtClean="0">
-                <a:latin typeface="Comic Sans MS" pitchFamily="66" charset="0"/>
-              </a:rPr>
-              <a:t>by </a:t>
-            </a:r>
-            <a:r>
-              <a:rPr lang="en-US" sz="5400" dirty="0" smtClean="0">
-                <a:solidFill>
-                  <a:srgbClr val="028822"/>
-                </a:solidFill>
-                <a:latin typeface="Comic Sans MS" pitchFamily="66" charset="0"/>
-              </a:rPr>
-              <a:t>strong</a:t>
-            </a:r>
-            <a:r>
-              <a:rPr lang="en-US" sz="5400" dirty="0" smtClean="0">
-                <a:latin typeface="Comic Sans MS" pitchFamily="66" charset="0"/>
-              </a:rPr>
-              <a:t> </a:t>
-            </a:r>
-            <a:r>
-              <a:rPr lang="en-US" sz="5400" dirty="0">
-                <a:latin typeface="Comic Sans MS" pitchFamily="66" charset="0"/>
-              </a:rPr>
-              <a:t>induction</a:t>
-            </a:r>
-            <a:r>
-              <a:rPr lang="en-US" sz="5400" dirty="0" smtClean="0">
-                <a:latin typeface="Comic Sans MS" pitchFamily="66" charset="0"/>
-              </a:rPr>
-              <a:t>:</a:t>
-            </a:r>
-          </a:p>
-        </p:txBody>
-      </p:sp>
-      <p:graphicFrame>
-        <p:nvGraphicFramePr>
-          <p:cNvPr id="6146" name="Object 6"/>
-          <p:cNvGraphicFramePr>
-            <a:graphicFrameLocks noChangeAspect="1"/>
-          </p:cNvGraphicFramePr>
-          <p:nvPr/>
-        </p:nvGraphicFramePr>
-        <p:xfrm>
-          <a:off x="990600" y="2133600"/>
-          <a:ext cx="6938963" cy="2036762"/>
-        </p:xfrm>
-        <a:graphic>
-          <a:graphicData uri="http://schemas.openxmlformats.org/presentationml/2006/ole">
-            <p:oleObj spid="_x0000_s414722" name="Equation" r:id="rId4" imgW="7315200" imgH="2146300" progId="Equation.DSMT4">
-              <p:embed/>
-            </p:oleObj>
-          </a:graphicData>
-        </a:graphic>
-      </p:graphicFrame>
-      <p:graphicFrame>
-        <p:nvGraphicFramePr>
-          <p:cNvPr id="302084" name="Object 6"/>
-          <p:cNvGraphicFramePr>
-            <a:graphicFrameLocks noChangeAspect="1"/>
-          </p:cNvGraphicFramePr>
-          <p:nvPr/>
-        </p:nvGraphicFramePr>
-        <p:xfrm>
-          <a:off x="1012825" y="3983038"/>
-          <a:ext cx="7048500" cy="2036762"/>
-        </p:xfrm>
-        <a:graphic>
-          <a:graphicData uri="http://schemas.openxmlformats.org/presentationml/2006/ole">
-            <p:oleObj spid="_x0000_s414723" name="Equation" r:id="rId5" imgW="7315200" imgH="2120900" progId="Equation.DSMT4">
-              <p:embed/>
-            </p:oleObj>
-          </a:graphicData>
-        </a:graphic>
-      </p:graphicFrame>
-    </p:spTree>
-  </p:cSld>
-  <p:clrMapOvr>
-    <a:masterClrMapping/>
-  </p:clrMapOvr>
-  <p:transition/>
-  <p:timing>
-    <p:tnLst>
-      <p:par>
-        <p:cTn id="1" dur="indefinite" restart="never" nodeType="tmRoot">
-          <p:childTnLst>
-            <p:seq concurrent="1" nextAc="seek">
-              <p:cTn id="2" dur="indefinite" nodeType="mainSeq">
-                <p:childTnLst>
-                  <p:par>
-                    <p:cTn id="3" fill="hold">
-                      <p:stCondLst>
-                        <p:cond delay="indefinite"/>
-                      </p:stCondLst>
-                      <p:childTnLst>
-                        <p:par>
-                          <p:cTn id="4" fill="hold">
-                            <p:stCondLst>
-                              <p:cond delay="0"/>
-                            </p:stCondLst>
-                            <p:childTnLst>
-                              <p:par>
-                                <p:cTn id="5" presetID="22" presetClass="entr" presetSubtype="8" fill="hold" nodeType="clickEffect">
-                                  <p:stCondLst>
-                                    <p:cond delay="0"/>
-                                  </p:stCondLst>
-                                  <p:childTnLst>
-                                    <p:set>
-                                      <p:cBhvr>
-                                        <p:cTn id="6" dur="1" fill="hold">
-                                          <p:stCondLst>
-                                            <p:cond delay="0"/>
-                                          </p:stCondLst>
-                                        </p:cTn>
-                                        <p:tgtEl>
-                                          <p:spTgt spid="6146"/>
-                                        </p:tgtEl>
-                                        <p:attrNameLst>
-                                          <p:attrName>style.visibility</p:attrName>
-                                        </p:attrNameLst>
-                                      </p:cBhvr>
-                                      <p:to>
-                                        <p:strVal val="visible"/>
-                                      </p:to>
-                                    </p:set>
-                                    <p:animEffect transition="in" filter="wipe(left)">
-                                      <p:cBhvr>
-                                        <p:cTn id="7" dur="500"/>
-                                        <p:tgtEl>
-                                          <p:spTgt spid="6146"/>
-                                        </p:tgtEl>
-                                      </p:cBhvr>
-                                    </p:animEffect>
-                                  </p:childTnLst>
-                                </p:cTn>
-                              </p:par>
-                            </p:childTnLst>
-                          </p:cTn>
-                        </p:par>
-                      </p:childTnLst>
-                    </p:cTn>
-                  </p:par>
-                  <p:par>
-                    <p:cTn id="8" fill="hold">
-                      <p:stCondLst>
-                        <p:cond delay="indefinite"/>
-                      </p:stCondLst>
-                      <p:childTnLst>
-                        <p:par>
-                          <p:cTn id="9" fill="hold">
-                            <p:stCondLst>
-                              <p:cond delay="0"/>
-                            </p:stCondLst>
-                            <p:childTnLst>
-                              <p:par>
-                                <p:cTn id="10" presetID="22" presetClass="entr" presetSubtype="8" fill="hold" nodeType="clickEffect">
-                                  <p:stCondLst>
-                                    <p:cond delay="0"/>
-                                  </p:stCondLst>
-                                  <p:childTnLst>
-                                    <p:set>
-                                      <p:cBhvr>
-                                        <p:cTn id="11" dur="1" fill="hold">
-                                          <p:stCondLst>
-                                            <p:cond delay="0"/>
-                                          </p:stCondLst>
-                                        </p:cTn>
-                                        <p:tgtEl>
-                                          <p:spTgt spid="302084"/>
-                                        </p:tgtEl>
-                                        <p:attrNameLst>
-                                          <p:attrName>style.visibility</p:attrName>
-                                        </p:attrNameLst>
-                                      </p:cBhvr>
-                                      <p:to>
-                                        <p:strVal val="visible"/>
-                                      </p:to>
-                                    </p:set>
-                                    <p:animEffect transition="in" filter="wipe(left)">
-                                      <p:cBhvr>
-                                        <p:cTn id="12" dur="500"/>
-                                        <p:tgtEl>
-                                          <p:spTgt spid="302084"/>
-                                        </p:tgtEl>
-                                      </p:cBhvr>
-                                    </p:animEffect>
-                                  </p:childTnLst>
-                                </p:cTn>
-                              </p:par>
-                            </p:childTnLst>
-                          </p:cTn>
-                        </p:par>
-                      </p:childTnLst>
-                    </p:cTn>
-                  </p:par>
-                </p:childTnLst>
-              </p:cTn>
-              <p:prevCondLst>
-                <p:cond evt="onPrev" delay="0">
-                  <p:tgtEl>
-                    <p:sldTgt/>
-                  </p:tgtEl>
-                </p:cond>
-              </p:prevCondLst>
-              <p:nextCondLst>
-                <p:cond evt="onNext" delay="0">
-                  <p:tgtEl>
-                    <p:sldTgt/>
-                  </p:tgtEl>
-                </p:cond>
-              </p:nextCondLst>
-            </p:seq>
-          </p:childTnLst>
-        </p:cTn>
-      </p:par>
-    </p:tnLst>
   </p:timing>
 </p:sld>
 </file>
@@ -45860,6 +46843,310 @@
 </file>
 
 <file path=ppt/slides/slide60.xml><?xml version="1.0" encoding="utf-8"?>
+<p:sld xmlns:a="http://schemas.openxmlformats.org/drawingml/2006/main" xmlns:r="http://schemas.openxmlformats.org/officeDocument/2006/relationships" xmlns:mc="http://schemas.openxmlformats.org/markup-compatibility/2006" xmlns:mv="urn:schemas-microsoft-com:mac:vml" xmlns:p="http://schemas.openxmlformats.org/presentationml/2006/main" mc:Ignorable="mv" mc:PreserveAttributes="mv:*">
+  <p:cSld>
+    <p:spTree>
+      <p:nvGrpSpPr>
+        <p:cNvPr id="1" name=""/>
+        <p:cNvGrpSpPr/>
+        <p:nvPr/>
+      </p:nvGrpSpPr>
+      <p:grpSpPr>
+        <a:xfrm>
+          <a:off x="0" y="0"/>
+          <a:ext cx="0" cy="0"/>
+          <a:chOff x="0" y="0"/>
+          <a:chExt cx="0" cy="0"/>
+        </a:xfrm>
+      </p:grpSpPr>
+      <p:sp>
+        <p:nvSpPr>
+          <p:cNvPr id="6149" name="Rectangle 2"/>
+          <p:cNvSpPr>
+            <a:spLocks noGrp="1" noChangeArrowheads="1"/>
+          </p:cNvSpPr>
+          <p:nvPr>
+            <p:ph type="title"/>
+          </p:nvPr>
+        </p:nvSpPr>
+        <p:spPr>
+          <a:xfrm>
+            <a:off x="1600200" y="0"/>
+            <a:ext cx="7543800" cy="1143000"/>
+          </a:xfrm>
+        </p:spPr>
+        <p:txBody>
+          <a:bodyPr/>
+          <a:lstStyle/>
+          <a:p>
+            <a:pPr eaLnBrk="1" hangingPunct="1"/>
+            <a:r>
+              <a:rPr lang="en-US" sz="3600" smtClean="0"/>
+              <a:t>Proving the Claim by Induction</a:t>
+            </a:r>
+          </a:p>
+        </p:txBody>
+      </p:sp>
+      <p:sp>
+        <p:nvSpPr>
+          <p:cNvPr id="6150" name="Rectangle 4"/>
+          <p:cNvSpPr>
+            <a:spLocks noChangeArrowheads="1"/>
+          </p:cNvSpPr>
+          <p:nvPr/>
+        </p:nvSpPr>
+        <p:spPr bwMode="auto">
+          <a:xfrm>
+            <a:off x="304800" y="1599081"/>
+            <a:ext cx="8458200" cy="854080"/>
+          </a:xfrm>
+          <a:prstGeom prst="rect">
+            <a:avLst/>
+          </a:prstGeom>
+          <a:noFill/>
+          <a:ln w="9525">
+            <a:noFill/>
+            <a:miter lim="800000"/>
+            <a:headEnd/>
+            <a:tailEnd type="none" w="lg" len="lg"/>
+          </a:ln>
+        </p:spPr>
+        <p:txBody>
+          <a:bodyPr>
+            <a:spAutoFit/>
+          </a:bodyPr>
+          <a:lstStyle/>
+          <a:p>
+            <a:pPr>
+              <a:lnSpc>
+                <a:spcPct val="90000"/>
+              </a:lnSpc>
+              <a:spcBef>
+                <a:spcPct val="20000"/>
+              </a:spcBef>
+            </a:pPr>
+            <a:r>
+              <a:rPr lang="en-US" sz="5400" dirty="0" smtClean="0">
+                <a:latin typeface="Comic Sans MS" pitchFamily="66" charset="0"/>
+              </a:rPr>
+              <a:t>by </a:t>
+            </a:r>
+            <a:r>
+              <a:rPr lang="en-US" sz="5400" dirty="0" smtClean="0">
+                <a:solidFill>
+                  <a:srgbClr val="028822"/>
+                </a:solidFill>
+                <a:latin typeface="Comic Sans MS" pitchFamily="66" charset="0"/>
+              </a:rPr>
+              <a:t>strong</a:t>
+            </a:r>
+            <a:r>
+              <a:rPr lang="en-US" sz="5400" dirty="0" smtClean="0">
+                <a:latin typeface="Comic Sans MS" pitchFamily="66" charset="0"/>
+              </a:rPr>
+              <a:t> </a:t>
+            </a:r>
+            <a:r>
+              <a:rPr lang="en-US" sz="5400" dirty="0">
+                <a:latin typeface="Comic Sans MS" pitchFamily="66" charset="0"/>
+              </a:rPr>
+              <a:t>induction</a:t>
+            </a:r>
+            <a:r>
+              <a:rPr lang="en-US" sz="5400" dirty="0" smtClean="0">
+                <a:latin typeface="Comic Sans MS" pitchFamily="66" charset="0"/>
+              </a:rPr>
+              <a:t>:</a:t>
+            </a:r>
+          </a:p>
+        </p:txBody>
+      </p:sp>
+      <p:graphicFrame>
+        <p:nvGraphicFramePr>
+          <p:cNvPr id="6146" name="Object 6"/>
+          <p:cNvGraphicFramePr>
+            <a:graphicFrameLocks noChangeAspect="1"/>
+          </p:cNvGraphicFramePr>
+          <p:nvPr/>
+        </p:nvGraphicFramePr>
+        <p:xfrm>
+          <a:off x="990600" y="2133600"/>
+          <a:ext cx="6938963" cy="2036762"/>
+        </p:xfrm>
+        <a:graphic>
+          <a:graphicData uri="http://schemas.openxmlformats.org/presentationml/2006/ole">
+            <p:oleObj spid="_x0000_s414722" name="Equation" r:id="rId4" imgW="7315200" imgH="2146300" progId="Equation.DSMT4">
+              <p:embed/>
+            </p:oleObj>
+          </a:graphicData>
+        </a:graphic>
+      </p:graphicFrame>
+      <p:graphicFrame>
+        <p:nvGraphicFramePr>
+          <p:cNvPr id="302084" name="Object 6"/>
+          <p:cNvGraphicFramePr>
+            <a:graphicFrameLocks noChangeAspect="1"/>
+          </p:cNvGraphicFramePr>
+          <p:nvPr/>
+        </p:nvGraphicFramePr>
+        <p:xfrm>
+          <a:off x="1012825" y="3983038"/>
+          <a:ext cx="7048500" cy="2036762"/>
+        </p:xfrm>
+        <a:graphic>
+          <a:graphicData uri="http://schemas.openxmlformats.org/presentationml/2006/ole">
+            <p:oleObj spid="_x0000_s414723" name="Equation" r:id="rId5" imgW="7315200" imgH="2120900" progId="Equation.DSMT4">
+              <p:embed/>
+            </p:oleObj>
+          </a:graphicData>
+        </a:graphic>
+      </p:graphicFrame>
+    </p:spTree>
+  </p:cSld>
+  <p:clrMapOvr>
+    <a:masterClrMapping/>
+  </p:clrMapOvr>
+  <p:transition/>
+  <p:timing>
+    <p:tnLst>
+      <p:par>
+        <p:cTn id="1" dur="indefinite" restart="never" nodeType="tmRoot">
+          <p:childTnLst>
+            <p:seq concurrent="1" nextAc="seek">
+              <p:cTn id="2" dur="indefinite" nodeType="mainSeq">
+                <p:childTnLst>
+                  <p:par>
+                    <p:cTn id="3" fill="hold">
+                      <p:stCondLst>
+                        <p:cond delay="indefinite"/>
+                      </p:stCondLst>
+                      <p:childTnLst>
+                        <p:par>
+                          <p:cTn id="4" fill="hold">
+                            <p:stCondLst>
+                              <p:cond delay="0"/>
+                            </p:stCondLst>
+                            <p:childTnLst>
+                              <p:par>
+                                <p:cTn id="5" presetID="22" presetClass="entr" presetSubtype="8" fill="hold" nodeType="clickEffect">
+                                  <p:stCondLst>
+                                    <p:cond delay="0"/>
+                                  </p:stCondLst>
+                                  <p:childTnLst>
+                                    <p:set>
+                                      <p:cBhvr>
+                                        <p:cTn id="6" dur="1" fill="hold">
+                                          <p:stCondLst>
+                                            <p:cond delay="0"/>
+                                          </p:stCondLst>
+                                        </p:cTn>
+                                        <p:tgtEl>
+                                          <p:spTgt spid="6146"/>
+                                        </p:tgtEl>
+                                        <p:attrNameLst>
+                                          <p:attrName>style.visibility</p:attrName>
+                                        </p:attrNameLst>
+                                      </p:cBhvr>
+                                      <p:to>
+                                        <p:strVal val="visible"/>
+                                      </p:to>
+                                    </p:set>
+                                    <p:animEffect transition="in" filter="wipe(left)">
+                                      <p:cBhvr>
+                                        <p:cTn id="7" dur="500"/>
+                                        <p:tgtEl>
+                                          <p:spTgt spid="6146"/>
+                                        </p:tgtEl>
+                                      </p:cBhvr>
+                                    </p:animEffect>
+                                  </p:childTnLst>
+                                </p:cTn>
+                              </p:par>
+                            </p:childTnLst>
+                          </p:cTn>
+                        </p:par>
+                      </p:childTnLst>
+                    </p:cTn>
+                  </p:par>
+                  <p:par>
+                    <p:cTn id="8" fill="hold">
+                      <p:stCondLst>
+                        <p:cond delay="indefinite"/>
+                      </p:stCondLst>
+                      <p:childTnLst>
+                        <p:par>
+                          <p:cTn id="9" fill="hold">
+                            <p:stCondLst>
+                              <p:cond delay="0"/>
+                            </p:stCondLst>
+                            <p:childTnLst>
+                              <p:par>
+                                <p:cTn id="10" presetID="22" presetClass="entr" presetSubtype="8" fill="hold" nodeType="clickEffect">
+                                  <p:stCondLst>
+                                    <p:cond delay="0"/>
+                                  </p:stCondLst>
+                                  <p:childTnLst>
+                                    <p:set>
+                                      <p:cBhvr>
+                                        <p:cTn id="11" dur="1" fill="hold">
+                                          <p:stCondLst>
+                                            <p:cond delay="0"/>
+                                          </p:stCondLst>
+                                        </p:cTn>
+                                        <p:tgtEl>
+                                          <p:spTgt spid="302084"/>
+                                        </p:tgtEl>
+                                        <p:attrNameLst>
+                                          <p:attrName>style.visibility</p:attrName>
+                                        </p:attrNameLst>
+                                      </p:cBhvr>
+                                      <p:to>
+                                        <p:strVal val="visible"/>
+                                      </p:to>
+                                    </p:set>
+                                    <p:animEffect transition="in" filter="wipe(left)">
+                                      <p:cBhvr>
+                                        <p:cTn id="12" dur="500"/>
+                                        <p:tgtEl>
+                                          <p:spTgt spid="302084"/>
+                                        </p:tgtEl>
+                                      </p:cBhvr>
+                                    </p:animEffect>
+                                  </p:childTnLst>
+                                </p:cTn>
+                              </p:par>
+                            </p:childTnLst>
+                          </p:cTn>
+                        </p:par>
+                      </p:childTnLst>
+                    </p:cTn>
+                  </p:par>
+                </p:childTnLst>
+              </p:cTn>
+              <p:prevCondLst>
+                <p:cond evt="onPrev" delay="0">
+                  <p:tgtEl>
+                    <p:sldTgt/>
+                  </p:tgtEl>
+                </p:cond>
+              </p:prevCondLst>
+              <p:nextCondLst>
+                <p:cond evt="onNext" delay="0">
+                  <p:tgtEl>
+                    <p:sldTgt/>
+                  </p:tgtEl>
+                </p:cond>
+              </p:nextCondLst>
+            </p:seq>
+          </p:childTnLst>
+        </p:cTn>
+      </p:par>
+    </p:tnLst>
+  </p:timing>
+</p:sld>
+</file>
+
+<file path=ppt/slides/slide61.xml><?xml version="1.0" encoding="utf-8"?>
 <p:sld xmlns:a="http://schemas.openxmlformats.org/drawingml/2006/main" xmlns:r="http://schemas.openxmlformats.org/officeDocument/2006/relationships" xmlns:mc="http://schemas.openxmlformats.org/markup-compatibility/2006" xmlns:mv="urn:schemas-microsoft-com:mac:vml" xmlns:p="http://schemas.openxmlformats.org/presentationml/2006/main" mc:Ignorable="mv" mc:PreserveAttributes="mv:*">
   <p:cSld>
     <p:spTree>
@@ -46481,7 +47768,7 @@
 </p:sld>
 </file>
 
-<file path=ppt/slides/slide61.xml><?xml version="1.0" encoding="utf-8"?>
+<file path=ppt/slides/slide62.xml><?xml version="1.0" encoding="utf-8"?>
 <p:sld xmlns:a="http://schemas.openxmlformats.org/drawingml/2006/main" xmlns:r="http://schemas.openxmlformats.org/officeDocument/2006/relationships" xmlns:mc="http://schemas.openxmlformats.org/markup-compatibility/2006" xmlns:mv="urn:schemas-microsoft-com:mac:vml" xmlns:p="http://schemas.openxmlformats.org/presentationml/2006/main" mc:Ignorable="mv" mc:PreserveAttributes="mv:*">
   <p:cSld>
     <p:spTree>
